--- a/apresentacao/apresentacao.pptx
+++ b/apresentacao/apresentacao.pptx
@@ -6,14 +6,30 @@
     <p:sldMasterId id="2147483658" r:id="rId2"/>
   </p:sldMasterIdLst>
   <p:notesMasterIdLst>
-    <p:notesMasterId r:id="rId8"/>
+    <p:notesMasterId r:id="rId24"/>
   </p:notesMasterIdLst>
   <p:sldIdLst>
     <p:sldId id="256" r:id="rId3"/>
     <p:sldId id="285" r:id="rId4"/>
-    <p:sldId id="284" r:id="rId5"/>
-    <p:sldId id="257" r:id="rId6"/>
-    <p:sldId id="283" r:id="rId7"/>
+    <p:sldId id="286" r:id="rId5"/>
+    <p:sldId id="288" r:id="rId6"/>
+    <p:sldId id="290" r:id="rId7"/>
+    <p:sldId id="291" r:id="rId8"/>
+    <p:sldId id="284" r:id="rId9"/>
+    <p:sldId id="292" r:id="rId10"/>
+    <p:sldId id="293" r:id="rId11"/>
+    <p:sldId id="294" r:id="rId12"/>
+    <p:sldId id="295" r:id="rId13"/>
+    <p:sldId id="296" r:id="rId14"/>
+    <p:sldId id="297" r:id="rId15"/>
+    <p:sldId id="299" r:id="rId16"/>
+    <p:sldId id="298" r:id="rId17"/>
+    <p:sldId id="300" r:id="rId18"/>
+    <p:sldId id="302" r:id="rId19"/>
+    <p:sldId id="303" r:id="rId20"/>
+    <p:sldId id="301" r:id="rId21"/>
+    <p:sldId id="289" r:id="rId22"/>
+    <p:sldId id="283" r:id="rId23"/>
   </p:sldIdLst>
   <p:sldSz cx="12192000" cy="6858000"/>
   <p:notesSz cx="6858000" cy="9144000"/>
@@ -202,7 +218,7 @@
           <a:p>
             <a:fld id="{3FD32F47-44AA-42DC-B158-B16CFB7ECC09}" type="datetimeFigureOut">
               <a:rPr lang="pt-BR" smtClean="0"/>
-              <a:t>13/07/2021</a:t>
+              <a:t>20/07/2021</a:t>
             </a:fld>
             <a:endParaRPr lang="pt-BR" dirty="0"/>
           </a:p>
@@ -468,6 +484,174 @@
     </a:lvl9pPr>
   </p:notesStyle>
 </p:notesMaster>
+</file>
+
+<file path=ppt/notesSlides/notesSlide1.xml><?xml version="1.0" encoding="utf-8"?>
+<p:notes xmlns:a="http://schemas.openxmlformats.org/drawingml/2006/main" xmlns:r="http://schemas.openxmlformats.org/officeDocument/2006/relationships" xmlns:p="http://schemas.openxmlformats.org/presentationml/2006/main">
+  <p:cSld>
+    <p:spTree>
+      <p:nvGrpSpPr>
+        <p:cNvPr id="1" name=""/>
+        <p:cNvGrpSpPr/>
+        <p:nvPr/>
+      </p:nvGrpSpPr>
+      <p:grpSpPr>
+        <a:xfrm>
+          <a:off x="0" y="0"/>
+          <a:ext cx="0" cy="0"/>
+          <a:chOff x="0" y="0"/>
+          <a:chExt cx="0" cy="0"/>
+        </a:xfrm>
+      </p:grpSpPr>
+      <p:sp>
+        <p:nvSpPr>
+          <p:cNvPr id="2" name="Espaço Reservado para Imagem de Slide 1"/>
+          <p:cNvSpPr>
+            <a:spLocks noGrp="1" noRot="1" noChangeAspect="1"/>
+          </p:cNvSpPr>
+          <p:nvPr>
+            <p:ph type="sldImg"/>
+          </p:nvPr>
+        </p:nvSpPr>
+        <p:spPr/>
+      </p:sp>
+      <p:sp>
+        <p:nvSpPr>
+          <p:cNvPr id="3" name="Espaço Reservado para Anotações 2"/>
+          <p:cNvSpPr>
+            <a:spLocks noGrp="1"/>
+          </p:cNvSpPr>
+          <p:nvPr>
+            <p:ph type="body" idx="1"/>
+          </p:nvPr>
+        </p:nvSpPr>
+        <p:spPr/>
+        <p:txBody>
+          <a:bodyPr/>
+          <a:lstStyle/>
+          <a:p>
+            <a:endParaRPr lang="pt-BR" dirty="0"/>
+          </a:p>
+        </p:txBody>
+      </p:sp>
+      <p:sp>
+        <p:nvSpPr>
+          <p:cNvPr id="4" name="Espaço Reservado para Número de Slide 3"/>
+          <p:cNvSpPr>
+            <a:spLocks noGrp="1"/>
+          </p:cNvSpPr>
+          <p:nvPr>
+            <p:ph type="sldNum" sz="quarter" idx="10"/>
+          </p:nvPr>
+        </p:nvSpPr>
+        <p:spPr/>
+        <p:txBody>
+          <a:bodyPr/>
+          <a:lstStyle/>
+          <a:p>
+            <a:fld id="{8E0CFA98-5C7E-4375-8E7B-2AD5829C52B5}" type="slidenum">
+              <a:rPr lang="pt-BR" smtClean="0"/>
+              <a:t>2</a:t>
+            </a:fld>
+            <a:endParaRPr lang="pt-BR" dirty="0"/>
+          </a:p>
+        </p:txBody>
+      </p:sp>
+    </p:spTree>
+    <p:extLst>
+      <p:ext uri="{BB962C8B-B14F-4D97-AF65-F5344CB8AC3E}">
+        <p14:creationId xmlns:p14="http://schemas.microsoft.com/office/powerpoint/2010/main" val="2346544194"/>
+      </p:ext>
+    </p:extLst>
+  </p:cSld>
+  <p:clrMapOvr>
+    <a:masterClrMapping/>
+  </p:clrMapOvr>
+</p:notes>
+</file>
+
+<file path=ppt/notesSlides/notesSlide2.xml><?xml version="1.0" encoding="utf-8"?>
+<p:notes xmlns:a="http://schemas.openxmlformats.org/drawingml/2006/main" xmlns:r="http://schemas.openxmlformats.org/officeDocument/2006/relationships" xmlns:p="http://schemas.openxmlformats.org/presentationml/2006/main">
+  <p:cSld>
+    <p:spTree>
+      <p:nvGrpSpPr>
+        <p:cNvPr id="1" name=""/>
+        <p:cNvGrpSpPr/>
+        <p:nvPr/>
+      </p:nvGrpSpPr>
+      <p:grpSpPr>
+        <a:xfrm>
+          <a:off x="0" y="0"/>
+          <a:ext cx="0" cy="0"/>
+          <a:chOff x="0" y="0"/>
+          <a:chExt cx="0" cy="0"/>
+        </a:xfrm>
+      </p:grpSpPr>
+      <p:sp>
+        <p:nvSpPr>
+          <p:cNvPr id="2" name="Espaço Reservado para Imagem de Slide 1"/>
+          <p:cNvSpPr>
+            <a:spLocks noGrp="1" noRot="1" noChangeAspect="1"/>
+          </p:cNvSpPr>
+          <p:nvPr>
+            <p:ph type="sldImg"/>
+          </p:nvPr>
+        </p:nvSpPr>
+        <p:spPr/>
+      </p:sp>
+      <p:sp>
+        <p:nvSpPr>
+          <p:cNvPr id="3" name="Espaço Reservado para Anotações 2"/>
+          <p:cNvSpPr>
+            <a:spLocks noGrp="1"/>
+          </p:cNvSpPr>
+          <p:nvPr>
+            <p:ph type="body" idx="1"/>
+          </p:nvPr>
+        </p:nvSpPr>
+        <p:spPr/>
+        <p:txBody>
+          <a:bodyPr/>
+          <a:lstStyle/>
+          <a:p>
+            <a:endParaRPr lang="pt-BR" dirty="0"/>
+          </a:p>
+        </p:txBody>
+      </p:sp>
+      <p:sp>
+        <p:nvSpPr>
+          <p:cNvPr id="4" name="Espaço Reservado para Número de Slide 3"/>
+          <p:cNvSpPr>
+            <a:spLocks noGrp="1"/>
+          </p:cNvSpPr>
+          <p:nvPr>
+            <p:ph type="sldNum" sz="quarter" idx="10"/>
+          </p:nvPr>
+        </p:nvSpPr>
+        <p:spPr/>
+        <p:txBody>
+          <a:bodyPr/>
+          <a:lstStyle/>
+          <a:p>
+            <a:fld id="{8E0CFA98-5C7E-4375-8E7B-2AD5829C52B5}" type="slidenum">
+              <a:rPr lang="pt-BR" smtClean="0"/>
+              <a:t>13</a:t>
+            </a:fld>
+            <a:endParaRPr lang="pt-BR" dirty="0"/>
+          </a:p>
+        </p:txBody>
+      </p:sp>
+    </p:spTree>
+    <p:extLst>
+      <p:ext uri="{BB962C8B-B14F-4D97-AF65-F5344CB8AC3E}">
+        <p14:creationId xmlns:p14="http://schemas.microsoft.com/office/powerpoint/2010/main" val="3310795832"/>
+      </p:ext>
+    </p:extLst>
+  </p:cSld>
+  <p:clrMapOvr>
+    <a:masterClrMapping/>
+  </p:clrMapOvr>
+</p:notes>
 </file>
 
 <file path=ppt/slideLayouts/slideLayout1.xml><?xml version="1.0" encoding="utf-8"?>
@@ -4115,6 +4299,1661 @@
 </p:sld>
 </file>
 
+<file path=ppt/slides/slide10.xml><?xml version="1.0" encoding="utf-8"?>
+<p:sld xmlns:a="http://schemas.openxmlformats.org/drawingml/2006/main" xmlns:r="http://schemas.openxmlformats.org/officeDocument/2006/relationships" xmlns:p="http://schemas.openxmlformats.org/presentationml/2006/main">
+  <p:cSld>
+    <p:spTree>
+      <p:nvGrpSpPr>
+        <p:cNvPr id="1" name=""/>
+        <p:cNvGrpSpPr/>
+        <p:nvPr/>
+      </p:nvGrpSpPr>
+      <p:grpSpPr>
+        <a:xfrm>
+          <a:off x="0" y="0"/>
+          <a:ext cx="0" cy="0"/>
+          <a:chOff x="0" y="0"/>
+          <a:chExt cx="0" cy="0"/>
+        </a:xfrm>
+      </p:grpSpPr>
+      <p:sp>
+        <p:nvSpPr>
+          <p:cNvPr id="2" name="Título 1"/>
+          <p:cNvSpPr>
+            <a:spLocks noGrp="1"/>
+          </p:cNvSpPr>
+          <p:nvPr>
+            <p:ph type="title"/>
+          </p:nvPr>
+        </p:nvSpPr>
+        <p:spPr/>
+        <p:txBody>
+          <a:bodyPr/>
+          <a:lstStyle/>
+          <a:p>
+            <a:endParaRPr lang="pt-BR"/>
+          </a:p>
+        </p:txBody>
+      </p:sp>
+      <p:sp>
+        <p:nvSpPr>
+          <p:cNvPr id="4" name="Espaço Reservado para Número de Slide 3"/>
+          <p:cNvSpPr>
+            <a:spLocks noGrp="1"/>
+          </p:cNvSpPr>
+          <p:nvPr>
+            <p:ph type="sldNum" sz="quarter" idx="12"/>
+          </p:nvPr>
+        </p:nvSpPr>
+        <p:spPr/>
+        <p:txBody>
+          <a:bodyPr/>
+          <a:lstStyle/>
+          <a:p>
+            <a:fld id="{3EBE14EB-223E-495E-93EA-4AA64DE8DADD}" type="slidenum">
+              <a:rPr lang="pt-BR" smtClean="0"/>
+              <a:t>10</a:t>
+            </a:fld>
+            <a:endParaRPr lang="pt-BR" dirty="0"/>
+          </a:p>
+        </p:txBody>
+      </p:sp>
+      <p:pic>
+        <p:nvPicPr>
+          <p:cNvPr id="9" name="Espaço Reservado para Conteúdo 4"/>
+          <p:cNvPicPr>
+            <a:picLocks noGrp="1" noChangeAspect="1"/>
+          </p:cNvPicPr>
+          <p:nvPr>
+            <p:ph idx="1"/>
+          </p:nvPr>
+        </p:nvPicPr>
+        <p:blipFill>
+          <a:blip r:embed="rId2">
+            <a:extLst>
+              <a:ext uri="{28A0092B-C50C-407E-A947-70E740481C1C}">
+                <a14:useLocalDpi xmlns:a14="http://schemas.microsoft.com/office/drawing/2010/main" val="0"/>
+              </a:ext>
+            </a:extLst>
+          </a:blip>
+          <a:stretch>
+            <a:fillRect/>
+          </a:stretch>
+        </p:blipFill>
+        <p:spPr>
+          <a:xfrm>
+            <a:off x="432523" y="673099"/>
+            <a:ext cx="5357032" cy="3571355"/>
+          </a:xfrm>
+        </p:spPr>
+      </p:pic>
+      <p:sp>
+        <p:nvSpPr>
+          <p:cNvPr id="10" name="Retângulo 9"/>
+          <p:cNvSpPr/>
+          <p:nvPr/>
+        </p:nvSpPr>
+        <p:spPr>
+          <a:xfrm>
+            <a:off x="2363939" y="4480121"/>
+            <a:ext cx="994183" cy="523220"/>
+          </a:xfrm>
+          <a:prstGeom prst="rect">
+            <a:avLst/>
+          </a:prstGeom>
+        </p:spPr>
+        <p:txBody>
+          <a:bodyPr wrap="none">
+            <a:spAutoFit/>
+          </a:bodyPr>
+          <a:lstStyle/>
+          <a:p>
+            <a:r>
+              <a:rPr lang="pt-BR" sz="2800" b="1" dirty="0" smtClean="0"/>
+              <a:t>100%</a:t>
+            </a:r>
+            <a:endParaRPr lang="pt-BR" sz="2800" b="1" dirty="0"/>
+          </a:p>
+        </p:txBody>
+      </p:sp>
+    </p:spTree>
+    <p:extLst>
+      <p:ext uri="{BB962C8B-B14F-4D97-AF65-F5344CB8AC3E}">
+        <p14:creationId xmlns:p14="http://schemas.microsoft.com/office/powerpoint/2010/main" val="2293268408"/>
+      </p:ext>
+    </p:extLst>
+  </p:cSld>
+  <p:clrMapOvr>
+    <a:masterClrMapping/>
+  </p:clrMapOvr>
+  <p:timing>
+    <p:tnLst>
+      <p:par>
+        <p:cTn id="1" dur="indefinite" restart="never" nodeType="tmRoot"/>
+      </p:par>
+    </p:tnLst>
+  </p:timing>
+</p:sld>
+</file>
+
+<file path=ppt/slides/slide11.xml><?xml version="1.0" encoding="utf-8"?>
+<p:sld xmlns:a="http://schemas.openxmlformats.org/drawingml/2006/main" xmlns:r="http://schemas.openxmlformats.org/officeDocument/2006/relationships" xmlns:p="http://schemas.openxmlformats.org/presentationml/2006/main">
+  <p:cSld>
+    <p:spTree>
+      <p:nvGrpSpPr>
+        <p:cNvPr id="1" name=""/>
+        <p:cNvGrpSpPr/>
+        <p:nvPr/>
+      </p:nvGrpSpPr>
+      <p:grpSpPr>
+        <a:xfrm>
+          <a:off x="0" y="0"/>
+          <a:ext cx="0" cy="0"/>
+          <a:chOff x="0" y="0"/>
+          <a:chExt cx="0" cy="0"/>
+        </a:xfrm>
+      </p:grpSpPr>
+      <p:sp>
+        <p:nvSpPr>
+          <p:cNvPr id="2" name="Título 1"/>
+          <p:cNvSpPr>
+            <a:spLocks noGrp="1"/>
+          </p:cNvSpPr>
+          <p:nvPr>
+            <p:ph type="title"/>
+          </p:nvPr>
+        </p:nvSpPr>
+        <p:spPr/>
+        <p:txBody>
+          <a:bodyPr/>
+          <a:lstStyle/>
+          <a:p>
+            <a:r>
+              <a:rPr lang="pt-BR" dirty="0" smtClean="0"/>
+              <a:t>Com 6 épocas </a:t>
+            </a:r>
+            <a:endParaRPr lang="pt-BR" dirty="0"/>
+          </a:p>
+        </p:txBody>
+      </p:sp>
+      <p:sp>
+        <p:nvSpPr>
+          <p:cNvPr id="4" name="Espaço Reservado para Número de Slide 3"/>
+          <p:cNvSpPr>
+            <a:spLocks noGrp="1"/>
+          </p:cNvSpPr>
+          <p:nvPr>
+            <p:ph type="sldNum" sz="quarter" idx="12"/>
+          </p:nvPr>
+        </p:nvSpPr>
+        <p:spPr/>
+        <p:txBody>
+          <a:bodyPr/>
+          <a:lstStyle/>
+          <a:p>
+            <a:fld id="{3EBE14EB-223E-495E-93EA-4AA64DE8DADD}" type="slidenum">
+              <a:rPr lang="pt-BR" smtClean="0"/>
+              <a:t>11</a:t>
+            </a:fld>
+            <a:endParaRPr lang="pt-BR" dirty="0"/>
+          </a:p>
+        </p:txBody>
+      </p:sp>
+      <p:pic>
+        <p:nvPicPr>
+          <p:cNvPr id="7" name="Imagem 6"/>
+          <p:cNvPicPr>
+            <a:picLocks noChangeAspect="1"/>
+          </p:cNvPicPr>
+          <p:nvPr/>
+        </p:nvPicPr>
+        <p:blipFill>
+          <a:blip r:embed="rId2">
+            <a:extLst>
+              <a:ext uri="{28A0092B-C50C-407E-A947-70E740481C1C}">
+                <a14:useLocalDpi xmlns:a14="http://schemas.microsoft.com/office/drawing/2010/main" val="0"/>
+              </a:ext>
+            </a:extLst>
+          </a:blip>
+          <a:stretch>
+            <a:fillRect/>
+          </a:stretch>
+        </p:blipFill>
+        <p:spPr>
+          <a:xfrm>
+            <a:off x="323340" y="1559484"/>
+            <a:ext cx="5485714" cy="3657143"/>
+          </a:xfrm>
+          <a:prstGeom prst="rect">
+            <a:avLst/>
+          </a:prstGeom>
+        </p:spPr>
+      </p:pic>
+      <p:pic>
+        <p:nvPicPr>
+          <p:cNvPr id="8" name="Imagem 7"/>
+          <p:cNvPicPr>
+            <a:picLocks noChangeAspect="1"/>
+          </p:cNvPicPr>
+          <p:nvPr/>
+        </p:nvPicPr>
+        <p:blipFill>
+          <a:blip r:embed="rId3">
+            <a:extLst>
+              <a:ext uri="{28A0092B-C50C-407E-A947-70E740481C1C}">
+                <a14:useLocalDpi xmlns:a14="http://schemas.microsoft.com/office/drawing/2010/main" val="0"/>
+              </a:ext>
+            </a:extLst>
+          </a:blip>
+          <a:stretch>
+            <a:fillRect/>
+          </a:stretch>
+        </p:blipFill>
+        <p:spPr>
+          <a:xfrm>
+            <a:off x="6287412" y="1559484"/>
+            <a:ext cx="5485714" cy="3657143"/>
+          </a:xfrm>
+          <a:prstGeom prst="rect">
+            <a:avLst/>
+          </a:prstGeom>
+        </p:spPr>
+      </p:pic>
+      <p:sp>
+        <p:nvSpPr>
+          <p:cNvPr id="9" name="Retângulo 8"/>
+          <p:cNvSpPr/>
+          <p:nvPr/>
+        </p:nvSpPr>
+        <p:spPr>
+          <a:xfrm>
+            <a:off x="2254756" y="5353577"/>
+            <a:ext cx="811441" cy="523220"/>
+          </a:xfrm>
+          <a:prstGeom prst="rect">
+            <a:avLst/>
+          </a:prstGeom>
+        </p:spPr>
+        <p:txBody>
+          <a:bodyPr wrap="none">
+            <a:spAutoFit/>
+          </a:bodyPr>
+          <a:lstStyle/>
+          <a:p>
+            <a:r>
+              <a:rPr lang="pt-BR" sz="2800" b="1" dirty="0" smtClean="0"/>
+              <a:t>15%</a:t>
+            </a:r>
+            <a:endParaRPr lang="pt-BR" sz="2800" b="1" dirty="0"/>
+          </a:p>
+        </p:txBody>
+      </p:sp>
+      <p:sp>
+        <p:nvSpPr>
+          <p:cNvPr id="10" name="Retângulo 9"/>
+          <p:cNvSpPr/>
+          <p:nvPr/>
+        </p:nvSpPr>
+        <p:spPr>
+          <a:xfrm>
+            <a:off x="8610600" y="5615187"/>
+            <a:ext cx="811441" cy="523220"/>
+          </a:xfrm>
+          <a:prstGeom prst="rect">
+            <a:avLst/>
+          </a:prstGeom>
+        </p:spPr>
+        <p:txBody>
+          <a:bodyPr wrap="none">
+            <a:spAutoFit/>
+          </a:bodyPr>
+          <a:lstStyle/>
+          <a:p>
+            <a:r>
+              <a:rPr lang="pt-BR" sz="2800" b="1" dirty="0" smtClean="0"/>
+              <a:t>15%</a:t>
+            </a:r>
+            <a:endParaRPr lang="pt-BR" sz="2800" b="1" dirty="0"/>
+          </a:p>
+        </p:txBody>
+      </p:sp>
+    </p:spTree>
+    <p:extLst>
+      <p:ext uri="{BB962C8B-B14F-4D97-AF65-F5344CB8AC3E}">
+        <p14:creationId xmlns:p14="http://schemas.microsoft.com/office/powerpoint/2010/main" val="3972425291"/>
+      </p:ext>
+    </p:extLst>
+  </p:cSld>
+  <p:clrMapOvr>
+    <a:masterClrMapping/>
+  </p:clrMapOvr>
+  <p:timing>
+    <p:tnLst>
+      <p:par>
+        <p:cTn id="1" dur="indefinite" restart="never" nodeType="tmRoot"/>
+      </p:par>
+    </p:tnLst>
+  </p:timing>
+</p:sld>
+</file>
+
+<file path=ppt/slides/slide12.xml><?xml version="1.0" encoding="utf-8"?>
+<p:sld xmlns:a="http://schemas.openxmlformats.org/drawingml/2006/main" xmlns:r="http://schemas.openxmlformats.org/officeDocument/2006/relationships" xmlns:p="http://schemas.openxmlformats.org/presentationml/2006/main">
+  <p:cSld>
+    <p:spTree>
+      <p:nvGrpSpPr>
+        <p:cNvPr id="1" name=""/>
+        <p:cNvGrpSpPr/>
+        <p:nvPr/>
+      </p:nvGrpSpPr>
+      <p:grpSpPr>
+        <a:xfrm>
+          <a:off x="0" y="0"/>
+          <a:ext cx="0" cy="0"/>
+          <a:chOff x="0" y="0"/>
+          <a:chExt cx="0" cy="0"/>
+        </a:xfrm>
+      </p:grpSpPr>
+      <p:sp>
+        <p:nvSpPr>
+          <p:cNvPr id="2" name="Título 1"/>
+          <p:cNvSpPr>
+            <a:spLocks noGrp="1"/>
+          </p:cNvSpPr>
+          <p:nvPr>
+            <p:ph type="title"/>
+          </p:nvPr>
+        </p:nvSpPr>
+        <p:spPr/>
+        <p:txBody>
+          <a:bodyPr>
+            <a:normAutofit/>
+          </a:bodyPr>
+          <a:lstStyle/>
+          <a:p>
+            <a:r>
+              <a:rPr lang="pt-BR" dirty="0" smtClean="0"/>
+              <a:t>Execução e armazenamento da rede</a:t>
+            </a:r>
+            <a:endParaRPr lang="pt-BR" dirty="0"/>
+          </a:p>
+        </p:txBody>
+      </p:sp>
+      <p:sp>
+        <p:nvSpPr>
+          <p:cNvPr id="3" name="Espaço Reservado para Conteúdo 2"/>
+          <p:cNvSpPr>
+            <a:spLocks noGrp="1"/>
+          </p:cNvSpPr>
+          <p:nvPr>
+            <p:ph idx="1"/>
+          </p:nvPr>
+        </p:nvSpPr>
+        <p:spPr>
+          <a:xfrm>
+            <a:off x="440266" y="882555"/>
+            <a:ext cx="10515600" cy="4652963"/>
+          </a:xfrm>
+        </p:spPr>
+        <p:txBody>
+          <a:bodyPr/>
+          <a:lstStyle/>
+          <a:p>
+            <a:r>
+              <a:rPr lang="pt-BR" b="0" dirty="0" smtClean="0"/>
+              <a:t>-&gt; Na execução das redes, ao se conseguir uma melhor acurácia , foi armazenado em um arquivo o estado da mesma, conforme listagem abaixo : </a:t>
+            </a:r>
+          </a:p>
+          <a:p>
+            <a:endParaRPr lang="pt-BR" dirty="0" smtClean="0"/>
+          </a:p>
+          <a:p>
+            <a:endParaRPr lang="pt-BR" dirty="0"/>
+          </a:p>
+          <a:p>
+            <a:endParaRPr lang="pt-BR" dirty="0" smtClean="0"/>
+          </a:p>
+          <a:p>
+            <a:endParaRPr lang="pt-BR" dirty="0" smtClean="0"/>
+          </a:p>
+        </p:txBody>
+      </p:sp>
+      <p:sp>
+        <p:nvSpPr>
+          <p:cNvPr id="4" name="Espaço Reservado para Número de Slide 3"/>
+          <p:cNvSpPr>
+            <a:spLocks noGrp="1"/>
+          </p:cNvSpPr>
+          <p:nvPr>
+            <p:ph type="sldNum" sz="quarter" idx="12"/>
+          </p:nvPr>
+        </p:nvSpPr>
+        <p:spPr/>
+        <p:txBody>
+          <a:bodyPr/>
+          <a:lstStyle/>
+          <a:p>
+            <a:fld id="{3EBE14EB-223E-495E-93EA-4AA64DE8DADD}" type="slidenum">
+              <a:rPr lang="pt-BR" smtClean="0"/>
+              <a:t>12</a:t>
+            </a:fld>
+            <a:endParaRPr lang="pt-BR" dirty="0"/>
+          </a:p>
+        </p:txBody>
+      </p:sp>
+      <p:sp>
+        <p:nvSpPr>
+          <p:cNvPr id="5" name="Retângulo 4"/>
+          <p:cNvSpPr/>
+          <p:nvPr/>
+        </p:nvSpPr>
+        <p:spPr>
+          <a:xfrm>
+            <a:off x="850710" y="2493367"/>
+            <a:ext cx="8020334" cy="2585323"/>
+          </a:xfrm>
+          <a:prstGeom prst="rect">
+            <a:avLst/>
+          </a:prstGeom>
+        </p:spPr>
+        <p:txBody>
+          <a:bodyPr wrap="square">
+            <a:spAutoFit/>
+          </a:bodyPr>
+          <a:lstStyle/>
+          <a:p>
+            <a:pPr marL="285750" indent="-285750">
+              <a:buFont typeface="Arial" panose="020B0604020202020204" pitchFamily="34" charset="0"/>
+              <a:buChar char="•"/>
+            </a:pPr>
+            <a:r>
+              <a:rPr lang="pt-BR" dirty="0"/>
+              <a:t>15_teste2_Val__01_1_14</a:t>
+            </a:r>
+          </a:p>
+          <a:p>
+            <a:pPr marL="285750" indent="-285750">
+              <a:buFont typeface="Arial" panose="020B0604020202020204" pitchFamily="34" charset="0"/>
+              <a:buChar char="•"/>
+            </a:pPr>
+            <a:r>
+              <a:rPr lang="pt-BR" dirty="0"/>
+              <a:t>15_teste2_Val__02_1_04</a:t>
+            </a:r>
+          </a:p>
+          <a:p>
+            <a:pPr marL="285750" indent="-285750">
+              <a:buFont typeface="Arial" panose="020B0604020202020204" pitchFamily="34" charset="0"/>
+              <a:buChar char="•"/>
+            </a:pPr>
+            <a:r>
+              <a:rPr lang="pt-BR" dirty="0"/>
+              <a:t>15_teste2_Val__03_1_02</a:t>
+            </a:r>
+          </a:p>
+          <a:p>
+            <a:pPr marL="285750" indent="-285750">
+              <a:buFont typeface="Arial" panose="020B0604020202020204" pitchFamily="34" charset="0"/>
+              <a:buChar char="•"/>
+            </a:pPr>
+            <a:r>
+              <a:rPr lang="pt-BR" dirty="0"/>
+              <a:t>15_teste2_Val__04_1_01</a:t>
+            </a:r>
+          </a:p>
+          <a:p>
+            <a:pPr marL="285750" indent="-285750">
+              <a:buFont typeface="Arial" panose="020B0604020202020204" pitchFamily="34" charset="0"/>
+              <a:buChar char="•"/>
+            </a:pPr>
+            <a:r>
+              <a:rPr lang="pt-BR" dirty="0"/>
+              <a:t>15_teste2_Val__05_1_00</a:t>
+            </a:r>
+          </a:p>
+          <a:p>
+            <a:pPr marL="285750" indent="-285750">
+              <a:buFont typeface="Arial" panose="020B0604020202020204" pitchFamily="34" charset="0"/>
+              <a:buChar char="•"/>
+            </a:pPr>
+            <a:r>
+              <a:rPr lang="pt-BR" dirty="0"/>
+              <a:t>15_teste2_Val__06_1_00</a:t>
+            </a:r>
+          </a:p>
+          <a:p>
+            <a:pPr marL="285750" indent="-285750">
+              <a:buFont typeface="Arial" panose="020B0604020202020204" pitchFamily="34" charset="0"/>
+              <a:buChar char="•"/>
+            </a:pPr>
+            <a:r>
+              <a:rPr lang="pt-BR" dirty="0"/>
+              <a:t>15_teste2_Val__07_1_00</a:t>
+            </a:r>
+          </a:p>
+          <a:p>
+            <a:pPr marL="285750" indent="-285750">
+              <a:buFont typeface="Arial" panose="020B0604020202020204" pitchFamily="34" charset="0"/>
+              <a:buChar char="•"/>
+            </a:pPr>
+            <a:r>
+              <a:rPr lang="pt-BR" dirty="0"/>
+              <a:t>15_Val__01_1_06</a:t>
+            </a:r>
+          </a:p>
+          <a:p>
+            <a:pPr marL="285750" indent="-285750">
+              <a:buFont typeface="Arial" panose="020B0604020202020204" pitchFamily="34" charset="0"/>
+              <a:buChar char="•"/>
+            </a:pPr>
+            <a:r>
+              <a:rPr lang="pt-BR" dirty="0"/>
+              <a:t>15_Val__</a:t>
+            </a:r>
+            <a:r>
+              <a:rPr lang="pt-BR" dirty="0" smtClean="0"/>
+              <a:t>02_1_04</a:t>
+            </a:r>
+            <a:endParaRPr lang="pt-BR" dirty="0"/>
+          </a:p>
+        </p:txBody>
+      </p:sp>
+      <p:sp>
+        <p:nvSpPr>
+          <p:cNvPr id="6" name="Retângulo 5"/>
+          <p:cNvSpPr/>
+          <p:nvPr/>
+        </p:nvSpPr>
+        <p:spPr>
+          <a:xfrm>
+            <a:off x="4859866" y="2510037"/>
+            <a:ext cx="6096000" cy="2308324"/>
+          </a:xfrm>
+          <a:prstGeom prst="rect">
+            <a:avLst/>
+          </a:prstGeom>
+        </p:spPr>
+        <p:txBody>
+          <a:bodyPr>
+            <a:spAutoFit/>
+          </a:bodyPr>
+          <a:lstStyle/>
+          <a:p>
+            <a:pPr marL="285750" indent="-285750">
+              <a:buFont typeface="Arial" panose="020B0604020202020204" pitchFamily="34" charset="0"/>
+              <a:buChar char="•"/>
+            </a:pPr>
+            <a:r>
+              <a:rPr lang="pt-BR" dirty="0"/>
+              <a:t>25_Val__01_1_03</a:t>
+            </a:r>
+          </a:p>
+          <a:p>
+            <a:pPr marL="285750" indent="-285750">
+              <a:buFont typeface="Arial" panose="020B0604020202020204" pitchFamily="34" charset="0"/>
+              <a:buChar char="•"/>
+            </a:pPr>
+            <a:r>
+              <a:rPr lang="pt-BR" dirty="0"/>
+              <a:t>25_Val__02_0_99</a:t>
+            </a:r>
+          </a:p>
+          <a:p>
+            <a:pPr marL="285750" indent="-285750">
+              <a:buFont typeface="Arial" panose="020B0604020202020204" pitchFamily="34" charset="0"/>
+              <a:buChar char="•"/>
+            </a:pPr>
+            <a:r>
+              <a:rPr lang="pt-BR" dirty="0"/>
+              <a:t>50_Val__01_1_00</a:t>
+            </a:r>
+          </a:p>
+          <a:p>
+            <a:pPr marL="285750" indent="-285750">
+              <a:buFont typeface="Arial" panose="020B0604020202020204" pitchFamily="34" charset="0"/>
+              <a:buChar char="•"/>
+            </a:pPr>
+            <a:r>
+              <a:rPr lang="pt-BR" dirty="0"/>
+              <a:t>50_Val__02_0_99</a:t>
+            </a:r>
+          </a:p>
+          <a:p>
+            <a:pPr marL="285750" indent="-285750">
+              <a:buFont typeface="Arial" panose="020B0604020202020204" pitchFamily="34" charset="0"/>
+              <a:buChar char="•"/>
+            </a:pPr>
+            <a:r>
+              <a:rPr lang="pt-BR" dirty="0"/>
+              <a:t>75_Val__01_1_02</a:t>
+            </a:r>
+          </a:p>
+          <a:p>
+            <a:pPr marL="285750" indent="-285750">
+              <a:buFont typeface="Arial" panose="020B0604020202020204" pitchFamily="34" charset="0"/>
+              <a:buChar char="•"/>
+            </a:pPr>
+            <a:r>
+              <a:rPr lang="pt-BR" dirty="0"/>
+              <a:t>75_Val__02_1_03</a:t>
+            </a:r>
+          </a:p>
+          <a:p>
+            <a:pPr marL="285750" indent="-285750">
+              <a:buFont typeface="Arial" panose="020B0604020202020204" pitchFamily="34" charset="0"/>
+              <a:buChar char="•"/>
+            </a:pPr>
+            <a:r>
+              <a:rPr lang="pt-BR" dirty="0" smtClean="0"/>
+              <a:t>100_Val</a:t>
+            </a:r>
+            <a:r>
+              <a:rPr lang="pt-BR" dirty="0"/>
+              <a:t>__01_0_99</a:t>
+            </a:r>
+          </a:p>
+          <a:p>
+            <a:pPr marL="285750" indent="-285750">
+              <a:buFont typeface="Arial" panose="020B0604020202020204" pitchFamily="34" charset="0"/>
+              <a:buChar char="•"/>
+            </a:pPr>
+            <a:r>
+              <a:rPr lang="pt-BR" dirty="0" smtClean="0"/>
+              <a:t>100_Val</a:t>
+            </a:r>
+            <a:r>
+              <a:rPr lang="pt-BR" dirty="0"/>
+              <a:t>__02_0_99</a:t>
+            </a:r>
+            <a:endParaRPr lang="pt-BR" dirty="0"/>
+          </a:p>
+        </p:txBody>
+      </p:sp>
+      <p:sp>
+        <p:nvSpPr>
+          <p:cNvPr id="7" name="Retângulo 6"/>
+          <p:cNvSpPr/>
+          <p:nvPr/>
+        </p:nvSpPr>
+        <p:spPr>
+          <a:xfrm>
+            <a:off x="577754" y="5281865"/>
+            <a:ext cx="10378111" cy="1384995"/>
+          </a:xfrm>
+          <a:prstGeom prst="rect">
+            <a:avLst/>
+          </a:prstGeom>
+        </p:spPr>
+        <p:txBody>
+          <a:bodyPr wrap="square">
+            <a:spAutoFit/>
+          </a:bodyPr>
+          <a:lstStyle/>
+          <a:p>
+            <a:r>
+              <a:rPr lang="pt-BR" sz="2800" dirty="0" smtClean="0"/>
+              <a:t>O padrão de nomenclatura , ficou da seguinte forma : </a:t>
+            </a:r>
+          </a:p>
+          <a:p>
+            <a:r>
+              <a:rPr lang="pt-BR" sz="2800" dirty="0" smtClean="0"/>
+              <a:t> porcentual execução – Bateria de teste (opcional) – época – porcentual de erro, sendo de as , foram trocadas por _ </a:t>
+            </a:r>
+            <a:endParaRPr lang="pt-BR" sz="2800" dirty="0"/>
+          </a:p>
+        </p:txBody>
+      </p:sp>
+    </p:spTree>
+    <p:extLst>
+      <p:ext uri="{BB962C8B-B14F-4D97-AF65-F5344CB8AC3E}">
+        <p14:creationId xmlns:p14="http://schemas.microsoft.com/office/powerpoint/2010/main" val="3907776554"/>
+      </p:ext>
+    </p:extLst>
+  </p:cSld>
+  <p:clrMapOvr>
+    <a:masterClrMapping/>
+  </p:clrMapOvr>
+  <p:timing>
+    <p:tnLst>
+      <p:par>
+        <p:cTn id="1" dur="indefinite" restart="never" nodeType="tmRoot"/>
+      </p:par>
+    </p:tnLst>
+  </p:timing>
+</p:sld>
+</file>
+
+<file path=ppt/slides/slide13.xml><?xml version="1.0" encoding="utf-8"?>
+<p:sld xmlns:a="http://schemas.openxmlformats.org/drawingml/2006/main" xmlns:r="http://schemas.openxmlformats.org/officeDocument/2006/relationships" xmlns:p="http://schemas.openxmlformats.org/presentationml/2006/main">
+  <p:cSld>
+    <p:spTree>
+      <p:nvGrpSpPr>
+        <p:cNvPr id="1" name=""/>
+        <p:cNvGrpSpPr/>
+        <p:nvPr/>
+      </p:nvGrpSpPr>
+      <p:grpSpPr>
+        <a:xfrm>
+          <a:off x="0" y="0"/>
+          <a:ext cx="0" cy="0"/>
+          <a:chOff x="0" y="0"/>
+          <a:chExt cx="0" cy="0"/>
+        </a:xfrm>
+      </p:grpSpPr>
+      <p:sp>
+        <p:nvSpPr>
+          <p:cNvPr id="2" name="Título 1"/>
+          <p:cNvSpPr>
+            <a:spLocks noGrp="1"/>
+          </p:cNvSpPr>
+          <p:nvPr>
+            <p:ph type="title"/>
+          </p:nvPr>
+        </p:nvSpPr>
+        <p:spPr/>
+        <p:txBody>
+          <a:bodyPr/>
+          <a:lstStyle/>
+          <a:p>
+            <a:r>
+              <a:rPr lang="pt-BR" dirty="0" smtClean="0"/>
+              <a:t>Programa para testes</a:t>
+            </a:r>
+            <a:endParaRPr lang="pt-BR" dirty="0"/>
+          </a:p>
+        </p:txBody>
+      </p:sp>
+      <p:sp>
+        <p:nvSpPr>
+          <p:cNvPr id="3" name="Espaço Reservado para Conteúdo 2"/>
+          <p:cNvSpPr>
+            <a:spLocks noGrp="1"/>
+          </p:cNvSpPr>
+          <p:nvPr>
+            <p:ph idx="1"/>
+          </p:nvPr>
+        </p:nvSpPr>
+        <p:spPr>
+          <a:xfrm>
+            <a:off x="207433" y="1188243"/>
+            <a:ext cx="10515600" cy="4652963"/>
+          </a:xfrm>
+        </p:spPr>
+        <p:txBody>
+          <a:bodyPr/>
+          <a:lstStyle/>
+          <a:p>
+            <a:r>
+              <a:rPr lang="pt-BR" dirty="0" smtClean="0"/>
+              <a:t>-&gt; Após a obtenção das redes emulando diferentes cognições , foi feito u programa em </a:t>
+            </a:r>
+            <a:r>
+              <a:rPr lang="pt-BR" dirty="0" err="1" smtClean="0"/>
+              <a:t>python</a:t>
+            </a:r>
+            <a:r>
+              <a:rPr lang="pt-BR" dirty="0" smtClean="0"/>
+              <a:t> para leitura das redes geradas e geração de arquivos com as predições das questões já expostas para a rede em questão </a:t>
+            </a:r>
+          </a:p>
+          <a:p>
+            <a:r>
+              <a:rPr lang="pt-BR" dirty="0" smtClean="0"/>
+              <a:t>-&gt; Com o arquivo com os acertos e erros de cada rede, foi desenvolvido um programa para carregamento a base de dados e assim , fazer o cruzamento das informações usando o </a:t>
+            </a:r>
+            <a:r>
+              <a:rPr lang="pt-BR" dirty="0" err="1" smtClean="0"/>
+              <a:t>pivot</a:t>
+            </a:r>
+            <a:r>
+              <a:rPr lang="pt-BR" dirty="0" smtClean="0"/>
+              <a:t> do </a:t>
+            </a:r>
+            <a:r>
+              <a:rPr lang="pt-BR" dirty="0" err="1" smtClean="0"/>
+              <a:t>PostGree</a:t>
+            </a:r>
+            <a:r>
+              <a:rPr lang="pt-BR" dirty="0" smtClean="0"/>
+              <a:t>  </a:t>
+            </a:r>
+            <a:endParaRPr lang="pt-BR" dirty="0"/>
+          </a:p>
+        </p:txBody>
+      </p:sp>
+      <p:sp>
+        <p:nvSpPr>
+          <p:cNvPr id="4" name="Espaço Reservado para Número de Slide 3"/>
+          <p:cNvSpPr>
+            <a:spLocks noGrp="1"/>
+          </p:cNvSpPr>
+          <p:nvPr>
+            <p:ph type="sldNum" sz="quarter" idx="12"/>
+          </p:nvPr>
+        </p:nvSpPr>
+        <p:spPr/>
+        <p:txBody>
+          <a:bodyPr/>
+          <a:lstStyle/>
+          <a:p>
+            <a:fld id="{3EBE14EB-223E-495E-93EA-4AA64DE8DADD}" type="slidenum">
+              <a:rPr lang="pt-BR" smtClean="0"/>
+              <a:t>13</a:t>
+            </a:fld>
+            <a:endParaRPr lang="pt-BR" dirty="0"/>
+          </a:p>
+        </p:txBody>
+      </p:sp>
+    </p:spTree>
+    <p:extLst>
+      <p:ext uri="{BB962C8B-B14F-4D97-AF65-F5344CB8AC3E}">
+        <p14:creationId xmlns:p14="http://schemas.microsoft.com/office/powerpoint/2010/main" val="2144561241"/>
+      </p:ext>
+    </p:extLst>
+  </p:cSld>
+  <p:clrMapOvr>
+    <a:masterClrMapping/>
+  </p:clrMapOvr>
+  <p:timing>
+    <p:tnLst>
+      <p:par>
+        <p:cTn id="1" dur="indefinite" restart="never" nodeType="tmRoot"/>
+      </p:par>
+    </p:tnLst>
+  </p:timing>
+</p:sld>
+</file>
+
+<file path=ppt/slides/slide14.xml><?xml version="1.0" encoding="utf-8"?>
+<p:sld xmlns:a="http://schemas.openxmlformats.org/drawingml/2006/main" xmlns:r="http://schemas.openxmlformats.org/officeDocument/2006/relationships" xmlns:p="http://schemas.openxmlformats.org/presentationml/2006/main">
+  <p:cSld>
+    <p:spTree>
+      <p:nvGrpSpPr>
+        <p:cNvPr id="1" name=""/>
+        <p:cNvGrpSpPr/>
+        <p:nvPr/>
+      </p:nvGrpSpPr>
+      <p:grpSpPr>
+        <a:xfrm>
+          <a:off x="0" y="0"/>
+          <a:ext cx="0" cy="0"/>
+          <a:chOff x="0" y="0"/>
+          <a:chExt cx="0" cy="0"/>
+        </a:xfrm>
+      </p:grpSpPr>
+      <p:sp>
+        <p:nvSpPr>
+          <p:cNvPr id="2" name="Título 1"/>
+          <p:cNvSpPr>
+            <a:spLocks noGrp="1"/>
+          </p:cNvSpPr>
+          <p:nvPr>
+            <p:ph type="title"/>
+          </p:nvPr>
+        </p:nvSpPr>
+        <p:spPr/>
+        <p:txBody>
+          <a:bodyPr/>
+          <a:lstStyle/>
+          <a:p>
+            <a:r>
+              <a:rPr lang="pt-BR" dirty="0" smtClean="0"/>
+              <a:t>Resultado </a:t>
+            </a:r>
+            <a:endParaRPr lang="pt-BR" dirty="0"/>
+          </a:p>
+        </p:txBody>
+      </p:sp>
+      <p:sp>
+        <p:nvSpPr>
+          <p:cNvPr id="4" name="Espaço Reservado para Número de Slide 3"/>
+          <p:cNvSpPr>
+            <a:spLocks noGrp="1"/>
+          </p:cNvSpPr>
+          <p:nvPr>
+            <p:ph type="sldNum" sz="quarter" idx="12"/>
+          </p:nvPr>
+        </p:nvSpPr>
+        <p:spPr/>
+        <p:txBody>
+          <a:bodyPr/>
+          <a:lstStyle/>
+          <a:p>
+            <a:fld id="{3EBE14EB-223E-495E-93EA-4AA64DE8DADD}" type="slidenum">
+              <a:rPr lang="pt-BR" smtClean="0"/>
+              <a:t>14</a:t>
+            </a:fld>
+            <a:endParaRPr lang="pt-BR" dirty="0"/>
+          </a:p>
+        </p:txBody>
+      </p:sp>
+      <p:pic>
+        <p:nvPicPr>
+          <p:cNvPr id="5" name="Imagem 4"/>
+          <p:cNvPicPr>
+            <a:picLocks noChangeAspect="1"/>
+          </p:cNvPicPr>
+          <p:nvPr/>
+        </p:nvPicPr>
+        <p:blipFill>
+          <a:blip r:embed="rId2"/>
+          <a:stretch>
+            <a:fillRect/>
+          </a:stretch>
+        </p:blipFill>
+        <p:spPr>
+          <a:xfrm>
+            <a:off x="207433" y="2741216"/>
+            <a:ext cx="11630025" cy="2238375"/>
+          </a:xfrm>
+          <a:prstGeom prst="rect">
+            <a:avLst/>
+          </a:prstGeom>
+        </p:spPr>
+      </p:pic>
+      <p:sp>
+        <p:nvSpPr>
+          <p:cNvPr id="6" name="Espaço Reservado para Conteúdo 2"/>
+          <p:cNvSpPr>
+            <a:spLocks noGrp="1"/>
+          </p:cNvSpPr>
+          <p:nvPr>
+            <p:ph idx="1"/>
+          </p:nvPr>
+        </p:nvSpPr>
+        <p:spPr>
+          <a:xfrm>
+            <a:off x="207433" y="1188243"/>
+            <a:ext cx="10515600" cy="4652963"/>
+          </a:xfrm>
+        </p:spPr>
+        <p:txBody>
+          <a:bodyPr/>
+          <a:lstStyle/>
+          <a:p>
+            <a:r>
+              <a:rPr lang="pt-BR" dirty="0" smtClean="0"/>
+              <a:t>Esta visão de informações aonde a coluna é identificada pela capacidade de predição da rede e as  linhas com 0 acertou e 1 errou , pode nos levar a uma modelagem do sistema. </a:t>
+            </a:r>
+            <a:endParaRPr lang="pt-BR" dirty="0"/>
+          </a:p>
+        </p:txBody>
+      </p:sp>
+    </p:spTree>
+    <p:extLst>
+      <p:ext uri="{BB962C8B-B14F-4D97-AF65-F5344CB8AC3E}">
+        <p14:creationId xmlns:p14="http://schemas.microsoft.com/office/powerpoint/2010/main" val="2283650734"/>
+      </p:ext>
+    </p:extLst>
+  </p:cSld>
+  <p:clrMapOvr>
+    <a:masterClrMapping/>
+  </p:clrMapOvr>
+  <p:timing>
+    <p:tnLst>
+      <p:par>
+        <p:cTn id="1" dur="indefinite" restart="never" nodeType="tmRoot"/>
+      </p:par>
+    </p:tnLst>
+  </p:timing>
+</p:sld>
+</file>
+
+<file path=ppt/slides/slide15.xml><?xml version="1.0" encoding="utf-8"?>
+<p:sld xmlns:a="http://schemas.openxmlformats.org/drawingml/2006/main" xmlns:r="http://schemas.openxmlformats.org/officeDocument/2006/relationships" xmlns:p="http://schemas.openxmlformats.org/presentationml/2006/main">
+  <p:cSld>
+    <p:spTree>
+      <p:nvGrpSpPr>
+        <p:cNvPr id="1" name=""/>
+        <p:cNvGrpSpPr/>
+        <p:nvPr/>
+      </p:nvGrpSpPr>
+      <p:grpSpPr>
+        <a:xfrm>
+          <a:off x="0" y="0"/>
+          <a:ext cx="0" cy="0"/>
+          <a:chOff x="0" y="0"/>
+          <a:chExt cx="0" cy="0"/>
+        </a:xfrm>
+      </p:grpSpPr>
+      <p:sp>
+        <p:nvSpPr>
+          <p:cNvPr id="2" name="Título 1"/>
+          <p:cNvSpPr>
+            <a:spLocks noGrp="1"/>
+          </p:cNvSpPr>
+          <p:nvPr>
+            <p:ph type="title"/>
+          </p:nvPr>
+        </p:nvSpPr>
+        <p:spPr/>
+        <p:txBody>
+          <a:bodyPr/>
+          <a:lstStyle/>
+          <a:p>
+            <a:r>
+              <a:rPr lang="pt-BR" dirty="0" smtClean="0"/>
+              <a:t>Analise da base de dados e conclusões </a:t>
+            </a:r>
+            <a:endParaRPr lang="pt-BR" dirty="0"/>
+          </a:p>
+        </p:txBody>
+      </p:sp>
+      <p:sp>
+        <p:nvSpPr>
+          <p:cNvPr id="3" name="Espaço Reservado para Conteúdo 2"/>
+          <p:cNvSpPr>
+            <a:spLocks noGrp="1"/>
+          </p:cNvSpPr>
+          <p:nvPr>
+            <p:ph idx="1"/>
+          </p:nvPr>
+        </p:nvSpPr>
+        <p:spPr>
+          <a:xfrm>
+            <a:off x="440266" y="991737"/>
+            <a:ext cx="10515600" cy="4652963"/>
+          </a:xfrm>
+        </p:spPr>
+        <p:txBody>
+          <a:bodyPr/>
+          <a:lstStyle/>
+          <a:p>
+            <a:r>
+              <a:rPr lang="pt-BR" dirty="0" smtClean="0"/>
+              <a:t>O tipo de questão na qual é apresentado para a rede no treinamento e na validação podem distorcer a curva de erros e aprendizado, : </a:t>
+            </a:r>
+          </a:p>
+          <a:p>
+            <a:endParaRPr lang="pt-BR" dirty="0"/>
+          </a:p>
+        </p:txBody>
+      </p:sp>
+      <p:sp>
+        <p:nvSpPr>
+          <p:cNvPr id="4" name="Espaço Reservado para Número de Slide 3"/>
+          <p:cNvSpPr>
+            <a:spLocks noGrp="1"/>
+          </p:cNvSpPr>
+          <p:nvPr>
+            <p:ph type="sldNum" sz="quarter" idx="12"/>
+          </p:nvPr>
+        </p:nvSpPr>
+        <p:spPr/>
+        <p:txBody>
+          <a:bodyPr/>
+          <a:lstStyle/>
+          <a:p>
+            <a:fld id="{3EBE14EB-223E-495E-93EA-4AA64DE8DADD}" type="slidenum">
+              <a:rPr lang="pt-BR" smtClean="0"/>
+              <a:t>15</a:t>
+            </a:fld>
+            <a:endParaRPr lang="pt-BR" dirty="0"/>
+          </a:p>
+        </p:txBody>
+      </p:sp>
+      <p:pic>
+        <p:nvPicPr>
+          <p:cNvPr id="5" name="Imagem 4"/>
+          <p:cNvPicPr>
+            <a:picLocks noChangeAspect="1"/>
+          </p:cNvPicPr>
+          <p:nvPr/>
+        </p:nvPicPr>
+        <p:blipFill>
+          <a:blip r:embed="rId2">
+            <a:extLst>
+              <a:ext uri="{28A0092B-C50C-407E-A947-70E740481C1C}">
+                <a14:useLocalDpi xmlns:a14="http://schemas.microsoft.com/office/drawing/2010/main" val="0"/>
+              </a:ext>
+            </a:extLst>
+          </a:blip>
+          <a:stretch>
+            <a:fillRect/>
+          </a:stretch>
+        </p:blipFill>
+        <p:spPr>
+          <a:xfrm>
+            <a:off x="3499397" y="2178737"/>
+            <a:ext cx="3418441" cy="2278961"/>
+          </a:xfrm>
+          <a:prstGeom prst="rect">
+            <a:avLst/>
+          </a:prstGeom>
+        </p:spPr>
+      </p:pic>
+    </p:spTree>
+    <p:extLst>
+      <p:ext uri="{BB962C8B-B14F-4D97-AF65-F5344CB8AC3E}">
+        <p14:creationId xmlns:p14="http://schemas.microsoft.com/office/powerpoint/2010/main" val="2644808466"/>
+      </p:ext>
+    </p:extLst>
+  </p:cSld>
+  <p:clrMapOvr>
+    <a:masterClrMapping/>
+  </p:clrMapOvr>
+  <p:timing>
+    <p:tnLst>
+      <p:par>
+        <p:cTn id="1" dur="indefinite" restart="never" nodeType="tmRoot"/>
+      </p:par>
+    </p:tnLst>
+  </p:timing>
+</p:sld>
+</file>
+
+<file path=ppt/slides/slide16.xml><?xml version="1.0" encoding="utf-8"?>
+<p:sld xmlns:a="http://schemas.openxmlformats.org/drawingml/2006/main" xmlns:r="http://schemas.openxmlformats.org/officeDocument/2006/relationships" xmlns:p="http://schemas.openxmlformats.org/presentationml/2006/main">
+  <p:cSld>
+    <p:spTree>
+      <p:nvGrpSpPr>
+        <p:cNvPr id="1" name=""/>
+        <p:cNvGrpSpPr/>
+        <p:nvPr/>
+      </p:nvGrpSpPr>
+      <p:grpSpPr>
+        <a:xfrm>
+          <a:off x="0" y="0"/>
+          <a:ext cx="0" cy="0"/>
+          <a:chOff x="0" y="0"/>
+          <a:chExt cx="0" cy="0"/>
+        </a:xfrm>
+      </p:grpSpPr>
+      <p:sp>
+        <p:nvSpPr>
+          <p:cNvPr id="2" name="Título 1"/>
+          <p:cNvSpPr>
+            <a:spLocks noGrp="1"/>
+          </p:cNvSpPr>
+          <p:nvPr>
+            <p:ph type="title"/>
+          </p:nvPr>
+        </p:nvSpPr>
+        <p:spPr/>
+        <p:txBody>
+          <a:bodyPr/>
+          <a:lstStyle/>
+          <a:p>
+            <a:endParaRPr lang="pt-BR"/>
+          </a:p>
+        </p:txBody>
+      </p:sp>
+      <p:sp>
+        <p:nvSpPr>
+          <p:cNvPr id="3" name="Espaço Reservado para Conteúdo 2"/>
+          <p:cNvSpPr>
+            <a:spLocks noGrp="1"/>
+          </p:cNvSpPr>
+          <p:nvPr>
+            <p:ph idx="1"/>
+          </p:nvPr>
+        </p:nvSpPr>
+        <p:spPr>
+          <a:xfrm>
+            <a:off x="537950" y="1188243"/>
+            <a:ext cx="10515600" cy="4652963"/>
+          </a:xfrm>
+        </p:spPr>
+        <p:txBody>
+          <a:bodyPr/>
+          <a:lstStyle/>
+          <a:p>
+            <a:r>
+              <a:rPr lang="pt-BR" dirty="0" smtClean="0"/>
+              <a:t>A quantidade de épocas na qual a rede é submetida  não tem uma proporção na acurácia da rede </a:t>
+            </a:r>
+          </a:p>
+          <a:p>
+            <a:endParaRPr lang="pt-BR" dirty="0" smtClean="0"/>
+          </a:p>
+          <a:p>
+            <a:r>
+              <a:rPr lang="pt-BR" dirty="0"/>
+              <a:t>A quantidade de </a:t>
+            </a:r>
+            <a:r>
+              <a:rPr lang="pt-BR" dirty="0" smtClean="0"/>
+              <a:t>questões submetida a rede não tem </a:t>
+            </a:r>
+            <a:r>
+              <a:rPr lang="pt-BR" dirty="0"/>
+              <a:t>uma proporção na acurácia da rede </a:t>
+            </a:r>
+          </a:p>
+          <a:p>
+            <a:endParaRPr lang="pt-BR" dirty="0" smtClean="0"/>
+          </a:p>
+          <a:p>
+            <a:endParaRPr lang="pt-BR" dirty="0"/>
+          </a:p>
+          <a:p>
+            <a:endParaRPr lang="pt-BR" dirty="0" smtClean="0"/>
+          </a:p>
+          <a:p>
+            <a:endParaRPr lang="pt-BR" dirty="0"/>
+          </a:p>
+        </p:txBody>
+      </p:sp>
+      <p:sp>
+        <p:nvSpPr>
+          <p:cNvPr id="4" name="Espaço Reservado para Número de Slide 3"/>
+          <p:cNvSpPr>
+            <a:spLocks noGrp="1"/>
+          </p:cNvSpPr>
+          <p:nvPr>
+            <p:ph type="sldNum" sz="quarter" idx="12"/>
+          </p:nvPr>
+        </p:nvSpPr>
+        <p:spPr/>
+        <p:txBody>
+          <a:bodyPr/>
+          <a:lstStyle/>
+          <a:p>
+            <a:fld id="{3EBE14EB-223E-495E-93EA-4AA64DE8DADD}" type="slidenum">
+              <a:rPr lang="pt-BR" smtClean="0"/>
+              <a:t>16</a:t>
+            </a:fld>
+            <a:endParaRPr lang="pt-BR" dirty="0"/>
+          </a:p>
+        </p:txBody>
+      </p:sp>
+    </p:spTree>
+    <p:extLst>
+      <p:ext uri="{BB962C8B-B14F-4D97-AF65-F5344CB8AC3E}">
+        <p14:creationId xmlns:p14="http://schemas.microsoft.com/office/powerpoint/2010/main" val="283465091"/>
+      </p:ext>
+    </p:extLst>
+  </p:cSld>
+  <p:clrMapOvr>
+    <a:masterClrMapping/>
+  </p:clrMapOvr>
+  <p:timing>
+    <p:tnLst>
+      <p:par>
+        <p:cTn id="1" dur="indefinite" restart="never" nodeType="tmRoot"/>
+      </p:par>
+    </p:tnLst>
+  </p:timing>
+</p:sld>
+</file>
+
+<file path=ppt/slides/slide17.xml><?xml version="1.0" encoding="utf-8"?>
+<p:sld xmlns:a="http://schemas.openxmlformats.org/drawingml/2006/main" xmlns:r="http://schemas.openxmlformats.org/officeDocument/2006/relationships" xmlns:p="http://schemas.openxmlformats.org/presentationml/2006/main">
+  <p:cSld>
+    <p:spTree>
+      <p:nvGrpSpPr>
+        <p:cNvPr id="1" name=""/>
+        <p:cNvGrpSpPr/>
+        <p:nvPr/>
+      </p:nvGrpSpPr>
+      <p:grpSpPr>
+        <a:xfrm>
+          <a:off x="0" y="0"/>
+          <a:ext cx="0" cy="0"/>
+          <a:chOff x="0" y="0"/>
+          <a:chExt cx="0" cy="0"/>
+        </a:xfrm>
+      </p:grpSpPr>
+      <p:sp>
+        <p:nvSpPr>
+          <p:cNvPr id="2" name="Título 1"/>
+          <p:cNvSpPr>
+            <a:spLocks noGrp="1"/>
+          </p:cNvSpPr>
+          <p:nvPr>
+            <p:ph type="title"/>
+          </p:nvPr>
+        </p:nvSpPr>
+        <p:spPr/>
+        <p:txBody>
+          <a:bodyPr/>
+          <a:lstStyle/>
+          <a:p>
+            <a:r>
+              <a:rPr lang="pt-BR" dirty="0" smtClean="0"/>
+              <a:t>Testes rodando no momento </a:t>
+            </a:r>
+            <a:endParaRPr lang="pt-BR" dirty="0"/>
+          </a:p>
+        </p:txBody>
+      </p:sp>
+      <p:sp>
+        <p:nvSpPr>
+          <p:cNvPr id="3" name="Espaço Reservado para Conteúdo 2"/>
+          <p:cNvSpPr>
+            <a:spLocks noGrp="1"/>
+          </p:cNvSpPr>
+          <p:nvPr>
+            <p:ph idx="1"/>
+          </p:nvPr>
+        </p:nvSpPr>
+        <p:spPr/>
+        <p:txBody>
+          <a:bodyPr/>
+          <a:lstStyle/>
+          <a:p>
+            <a:r>
+              <a:rPr lang="pt-BR" dirty="0" smtClean="0"/>
+              <a:t>-&gt; 7 épocas usando 100 da massa , 5 dias rodando no servidor, ainda não foi finalizado </a:t>
+            </a:r>
+          </a:p>
+          <a:p>
+            <a:r>
+              <a:rPr lang="pt-BR" dirty="0" smtClean="0"/>
+              <a:t>-&gt; como identificar os tipos de questões ? </a:t>
+            </a:r>
+          </a:p>
+          <a:p>
+            <a:r>
+              <a:rPr lang="pt-BR" dirty="0" smtClean="0"/>
+              <a:t>-&gt; quais são as questões mais fáceis  ? </a:t>
+            </a:r>
+          </a:p>
+          <a:p>
+            <a:endParaRPr lang="pt-BR" dirty="0"/>
+          </a:p>
+        </p:txBody>
+      </p:sp>
+      <p:sp>
+        <p:nvSpPr>
+          <p:cNvPr id="4" name="Espaço Reservado para Número de Slide 3"/>
+          <p:cNvSpPr>
+            <a:spLocks noGrp="1"/>
+          </p:cNvSpPr>
+          <p:nvPr>
+            <p:ph type="sldNum" sz="quarter" idx="12"/>
+          </p:nvPr>
+        </p:nvSpPr>
+        <p:spPr/>
+        <p:txBody>
+          <a:bodyPr/>
+          <a:lstStyle/>
+          <a:p>
+            <a:fld id="{3EBE14EB-223E-495E-93EA-4AA64DE8DADD}" type="slidenum">
+              <a:rPr lang="pt-BR" smtClean="0"/>
+              <a:t>17</a:t>
+            </a:fld>
+            <a:endParaRPr lang="pt-BR" dirty="0"/>
+          </a:p>
+        </p:txBody>
+      </p:sp>
+    </p:spTree>
+    <p:extLst>
+      <p:ext uri="{BB962C8B-B14F-4D97-AF65-F5344CB8AC3E}">
+        <p14:creationId xmlns:p14="http://schemas.microsoft.com/office/powerpoint/2010/main" val="4049807177"/>
+      </p:ext>
+    </p:extLst>
+  </p:cSld>
+  <p:clrMapOvr>
+    <a:masterClrMapping/>
+  </p:clrMapOvr>
+  <p:timing>
+    <p:tnLst>
+      <p:par>
+        <p:cTn id="1" dur="indefinite" restart="never" nodeType="tmRoot"/>
+      </p:par>
+    </p:tnLst>
+  </p:timing>
+</p:sld>
+</file>
+
+<file path=ppt/slides/slide18.xml><?xml version="1.0" encoding="utf-8"?>
+<p:sld xmlns:a="http://schemas.openxmlformats.org/drawingml/2006/main" xmlns:r="http://schemas.openxmlformats.org/officeDocument/2006/relationships" xmlns:p="http://schemas.openxmlformats.org/presentationml/2006/main">
+  <p:cSld>
+    <p:spTree>
+      <p:nvGrpSpPr>
+        <p:cNvPr id="1" name=""/>
+        <p:cNvGrpSpPr/>
+        <p:nvPr/>
+      </p:nvGrpSpPr>
+      <p:grpSpPr>
+        <a:xfrm>
+          <a:off x="0" y="0"/>
+          <a:ext cx="0" cy="0"/>
+          <a:chOff x="0" y="0"/>
+          <a:chExt cx="0" cy="0"/>
+        </a:xfrm>
+      </p:grpSpPr>
+      <p:sp>
+        <p:nvSpPr>
+          <p:cNvPr id="2" name="Título 1"/>
+          <p:cNvSpPr>
+            <a:spLocks noGrp="1"/>
+          </p:cNvSpPr>
+          <p:nvPr>
+            <p:ph type="title"/>
+          </p:nvPr>
+        </p:nvSpPr>
+        <p:spPr/>
+        <p:txBody>
+          <a:bodyPr/>
+          <a:lstStyle/>
+          <a:p>
+            <a:r>
+              <a:rPr lang="pt-BR" dirty="0" smtClean="0"/>
+              <a:t>Testes que gostaria de fazer </a:t>
+            </a:r>
+            <a:endParaRPr lang="pt-BR" dirty="0"/>
+          </a:p>
+        </p:txBody>
+      </p:sp>
+      <p:sp>
+        <p:nvSpPr>
+          <p:cNvPr id="3" name="Espaço Reservado para Conteúdo 2"/>
+          <p:cNvSpPr>
+            <a:spLocks noGrp="1"/>
+          </p:cNvSpPr>
+          <p:nvPr>
+            <p:ph idx="1"/>
+          </p:nvPr>
+        </p:nvSpPr>
+        <p:spPr/>
+        <p:txBody>
+          <a:bodyPr/>
+          <a:lstStyle/>
+          <a:p>
+            <a:r>
+              <a:rPr lang="pt-BR" dirty="0" smtClean="0"/>
+              <a:t>Pegar uma rede calibrada com um certo grau de assertividade (acurácia ) </a:t>
+            </a:r>
+          </a:p>
+          <a:p>
+            <a:r>
+              <a:rPr lang="pt-BR" dirty="0" smtClean="0"/>
+              <a:t>Pegar as questões que as duas subsequentes acertaram </a:t>
+            </a:r>
+          </a:p>
+          <a:p>
+            <a:r>
+              <a:rPr lang="pt-BR" dirty="0" smtClean="0"/>
+              <a:t>Submeter a rede as questões que foram acertadas </a:t>
+            </a:r>
+          </a:p>
+          <a:p>
+            <a:r>
+              <a:rPr lang="pt-BR" dirty="0" smtClean="0"/>
+              <a:t>Verificar se isso, faria a rede aprender mais rápido e com melhor eficácia </a:t>
+            </a:r>
+          </a:p>
+          <a:p>
+            <a:endParaRPr lang="pt-BR" dirty="0"/>
+          </a:p>
+        </p:txBody>
+      </p:sp>
+      <p:sp>
+        <p:nvSpPr>
+          <p:cNvPr id="4" name="Espaço Reservado para Número de Slide 3"/>
+          <p:cNvSpPr>
+            <a:spLocks noGrp="1"/>
+          </p:cNvSpPr>
+          <p:nvPr>
+            <p:ph type="sldNum" sz="quarter" idx="12"/>
+          </p:nvPr>
+        </p:nvSpPr>
+        <p:spPr/>
+        <p:txBody>
+          <a:bodyPr/>
+          <a:lstStyle/>
+          <a:p>
+            <a:fld id="{3EBE14EB-223E-495E-93EA-4AA64DE8DADD}" type="slidenum">
+              <a:rPr lang="pt-BR" smtClean="0"/>
+              <a:t>18</a:t>
+            </a:fld>
+            <a:endParaRPr lang="pt-BR" dirty="0"/>
+          </a:p>
+        </p:txBody>
+      </p:sp>
+    </p:spTree>
+    <p:extLst>
+      <p:ext uri="{BB962C8B-B14F-4D97-AF65-F5344CB8AC3E}">
+        <p14:creationId xmlns:p14="http://schemas.microsoft.com/office/powerpoint/2010/main" val="3815836564"/>
+      </p:ext>
+    </p:extLst>
+  </p:cSld>
+  <p:clrMapOvr>
+    <a:masterClrMapping/>
+  </p:clrMapOvr>
+  <p:timing>
+    <p:tnLst>
+      <p:par>
+        <p:cTn id="1" dur="indefinite" restart="never" nodeType="tmRoot"/>
+      </p:par>
+    </p:tnLst>
+  </p:timing>
+</p:sld>
+</file>
+
+<file path=ppt/slides/slide19.xml><?xml version="1.0" encoding="utf-8"?>
+<p:sld xmlns:a="http://schemas.openxmlformats.org/drawingml/2006/main" xmlns:r="http://schemas.openxmlformats.org/officeDocument/2006/relationships" xmlns:p="http://schemas.openxmlformats.org/presentationml/2006/main">
+  <p:cSld>
+    <p:spTree>
+      <p:nvGrpSpPr>
+        <p:cNvPr id="1" name=""/>
+        <p:cNvGrpSpPr/>
+        <p:nvPr/>
+      </p:nvGrpSpPr>
+      <p:grpSpPr>
+        <a:xfrm>
+          <a:off x="0" y="0"/>
+          <a:ext cx="0" cy="0"/>
+          <a:chOff x="0" y="0"/>
+          <a:chExt cx="0" cy="0"/>
+        </a:xfrm>
+      </p:grpSpPr>
+      <p:sp>
+        <p:nvSpPr>
+          <p:cNvPr id="2" name="Título 1"/>
+          <p:cNvSpPr>
+            <a:spLocks noGrp="1"/>
+          </p:cNvSpPr>
+          <p:nvPr>
+            <p:ph type="title"/>
+          </p:nvPr>
+        </p:nvSpPr>
+        <p:spPr/>
+        <p:txBody>
+          <a:bodyPr/>
+          <a:lstStyle/>
+          <a:p>
+            <a:r>
+              <a:rPr lang="pt-BR" dirty="0" smtClean="0"/>
+              <a:t>Perguntas que gostaria de responder</a:t>
+            </a:r>
+            <a:endParaRPr lang="pt-BR" dirty="0"/>
+          </a:p>
+        </p:txBody>
+      </p:sp>
+      <p:sp>
+        <p:nvSpPr>
+          <p:cNvPr id="3" name="Espaço Reservado para Conteúdo 2"/>
+          <p:cNvSpPr>
+            <a:spLocks noGrp="1"/>
+          </p:cNvSpPr>
+          <p:nvPr>
+            <p:ph idx="1"/>
+          </p:nvPr>
+        </p:nvSpPr>
+        <p:spPr/>
+        <p:txBody>
+          <a:bodyPr/>
+          <a:lstStyle/>
+          <a:p>
+            <a:r>
+              <a:rPr lang="pt-BR" dirty="0" smtClean="0"/>
+              <a:t>-&gt; a ordem das questões interferem no aprendizado da rede ? </a:t>
+            </a:r>
+          </a:p>
+          <a:p>
+            <a:r>
+              <a:rPr lang="pt-BR" dirty="0" smtClean="0"/>
+              <a:t>-&gt; continuando </a:t>
+            </a:r>
+            <a:r>
+              <a:rPr lang="pt-BR" dirty="0"/>
+              <a:t>o artigo de </a:t>
+            </a:r>
+            <a:r>
+              <a:rPr lang="pt-BR" dirty="0" err="1" smtClean="0"/>
+              <a:t>Kimberly</a:t>
+            </a:r>
+            <a:r>
+              <a:rPr lang="pt-BR" dirty="0"/>
+              <a:t> </a:t>
+            </a:r>
+            <a:r>
+              <a:rPr lang="pt-BR" dirty="0" smtClean="0"/>
+              <a:t>2017, o agente-x pode ter as recompensas direto no que foi apurado pela rede , sendo assim tendo uma melhor eficácia na ordem de apresentação das questões ao aluno pelo tutor inteligente ? </a:t>
+            </a:r>
+          </a:p>
+          <a:p>
+            <a:endParaRPr lang="pt-BR" dirty="0"/>
+          </a:p>
+        </p:txBody>
+      </p:sp>
+      <p:sp>
+        <p:nvSpPr>
+          <p:cNvPr id="4" name="Espaço Reservado para Número de Slide 3"/>
+          <p:cNvSpPr>
+            <a:spLocks noGrp="1"/>
+          </p:cNvSpPr>
+          <p:nvPr>
+            <p:ph type="sldNum" sz="quarter" idx="12"/>
+          </p:nvPr>
+        </p:nvSpPr>
+        <p:spPr/>
+        <p:txBody>
+          <a:bodyPr/>
+          <a:lstStyle/>
+          <a:p>
+            <a:fld id="{3EBE14EB-223E-495E-93EA-4AA64DE8DADD}" type="slidenum">
+              <a:rPr lang="pt-BR" smtClean="0"/>
+              <a:t>19</a:t>
+            </a:fld>
+            <a:endParaRPr lang="pt-BR" dirty="0"/>
+          </a:p>
+        </p:txBody>
+      </p:sp>
+    </p:spTree>
+    <p:extLst>
+      <p:ext uri="{BB962C8B-B14F-4D97-AF65-F5344CB8AC3E}">
+        <p14:creationId xmlns:p14="http://schemas.microsoft.com/office/powerpoint/2010/main" val="1359607120"/>
+      </p:ext>
+    </p:extLst>
+  </p:cSld>
+  <p:clrMapOvr>
+    <a:masterClrMapping/>
+  </p:clrMapOvr>
+  <p:timing>
+    <p:tnLst>
+      <p:par>
+        <p:cTn id="1" dur="indefinite" restart="never" nodeType="tmRoot"/>
+      </p:par>
+    </p:tnLst>
+  </p:timing>
+</p:sld>
+</file>
+
 <file path=ppt/slides/slide2.xml><?xml version="1.0" encoding="utf-8"?>
 <p:sld xmlns:a="http://schemas.openxmlformats.org/drawingml/2006/main" xmlns:r="http://schemas.openxmlformats.org/officeDocument/2006/relationships" xmlns:p="http://schemas.openxmlformats.org/presentationml/2006/main">
   <p:cSld>
@@ -4165,9 +6004,16 @@
             <p:ph idx="1"/>
           </p:nvPr>
         </p:nvSpPr>
-        <p:spPr/>
-        <p:txBody>
-          <a:bodyPr/>
+        <p:spPr>
+          <a:xfrm>
+            <a:off x="565245" y="1188243"/>
+            <a:ext cx="10515600" cy="4652963"/>
+          </a:xfrm>
+        </p:spPr>
+        <p:txBody>
+          <a:bodyPr>
+            <a:normAutofit/>
+          </a:bodyPr>
           <a:lstStyle/>
           <a:p>
             <a:pPr marL="457200" indent="-457200">
@@ -4218,24 +6064,70 @@
             </a:pPr>
             <a:r>
               <a:rPr lang="pt-BR" b="0" dirty="0" smtClean="0"/>
-              <a:t>A base é constituída por  </a:t>
-            </a:r>
-          </a:p>
-          <a:p>
-            <a:endParaRPr lang="en-US" b="0" dirty="0" smtClean="0"/>
-          </a:p>
-          <a:p>
-            <a:r>
-              <a:rPr lang="en-US" b="0" dirty="0" smtClean="0"/>
-              <a:t> </a:t>
-            </a:r>
-            <a:endParaRPr lang="en-US" b="0" dirty="0"/>
-          </a:p>
-          <a:p>
-            <a:r>
-              <a:rPr lang="pt-BR" dirty="0" smtClean="0"/>
-              <a:t>  </a:t>
-            </a:r>
+              <a:t>A base é constituída por questões de exploração do ambiente , na qual tentam extrair do ambiente questões de raciocínio simples e complexas. (VQA)</a:t>
+            </a:r>
+          </a:p>
+          <a:p>
+            <a:pPr marL="457200" indent="-457200">
+              <a:buFont typeface="Arial" panose="020B0604020202020204" pitchFamily="34" charset="0"/>
+              <a:buChar char="•"/>
+            </a:pPr>
+            <a:r>
+              <a:rPr lang="pt-BR" b="0" dirty="0" smtClean="0"/>
+              <a:t>A principal diferença desta base em relação a outras já existentes de VQA são : </a:t>
+            </a:r>
+            <a:endParaRPr lang="pt-BR" b="0" dirty="0"/>
+          </a:p>
+          <a:p>
+            <a:pPr marL="914400" lvl="1" indent="-457200">
+              <a:buFont typeface="Arial" panose="020B0604020202020204" pitchFamily="34" charset="0"/>
+              <a:buChar char="•"/>
+            </a:pPr>
+            <a:r>
+              <a:rPr lang="pt-PT" b="0" dirty="0">
+                <a:solidFill>
+                  <a:srgbClr val="202124"/>
+                </a:solidFill>
+                <a:latin typeface="inherit"/>
+              </a:rPr>
+              <a:t>minimiza as tendências de conjuntos de dados VQA </a:t>
+            </a:r>
+            <a:r>
+              <a:rPr lang="pt-PT" b="0" dirty="0" smtClean="0">
+                <a:solidFill>
+                  <a:srgbClr val="202124"/>
+                </a:solidFill>
+                <a:latin typeface="inherit"/>
+              </a:rPr>
+              <a:t>anteriores </a:t>
+            </a:r>
+          </a:p>
+          <a:p>
+            <a:pPr marL="914400" lvl="1" indent="-457200">
+              <a:buFont typeface="Arial" panose="020B0604020202020204" pitchFamily="34" charset="0"/>
+              <a:buChar char="•"/>
+            </a:pPr>
+            <a:r>
+              <a:rPr lang="pt-PT" b="0" dirty="0">
+                <a:solidFill>
+                  <a:srgbClr val="202124"/>
+                </a:solidFill>
+                <a:latin typeface="inherit"/>
+              </a:rPr>
+              <a:t>a natureza sintética de CLEVR e anotações detalhadas facilitam análises aprofundadas de raciocínio</a:t>
+            </a:r>
+            <a:endParaRPr lang="pt-PT" b="0" dirty="0" smtClean="0">
+              <a:solidFill>
+                <a:srgbClr val="202124"/>
+              </a:solidFill>
+              <a:latin typeface="inherit"/>
+            </a:endParaRPr>
+          </a:p>
+          <a:p>
+            <a:pPr marL="457200" indent="-457200">
+              <a:buFont typeface="Arial" panose="020B0604020202020204" pitchFamily="34" charset="0"/>
+              <a:buChar char="•"/>
+            </a:pPr>
             <a:endParaRPr lang="pt-BR" dirty="0"/>
           </a:p>
         </p:txBody>
@@ -4273,6 +6165,398 @@
   <p:clrMapOvr>
     <a:masterClrMapping/>
   </p:clrMapOvr>
+  <p:timing>
+    <p:tnLst>
+      <p:par>
+        <p:cTn id="1" dur="indefinite" restart="never" nodeType="tmRoot"/>
+      </p:par>
+    </p:tnLst>
+  </p:timing>
+</p:sld>
+</file>
+
+<file path=ppt/slides/slide20.xml><?xml version="1.0" encoding="utf-8"?>
+<p:sld xmlns:a="http://schemas.openxmlformats.org/drawingml/2006/main" xmlns:r="http://schemas.openxmlformats.org/officeDocument/2006/relationships" xmlns:p="http://schemas.openxmlformats.org/presentationml/2006/main">
+  <p:cSld>
+    <p:spTree>
+      <p:nvGrpSpPr>
+        <p:cNvPr id="1" name=""/>
+        <p:cNvGrpSpPr/>
+        <p:nvPr/>
+      </p:nvGrpSpPr>
+      <p:grpSpPr>
+        <a:xfrm>
+          <a:off x="0" y="0"/>
+          <a:ext cx="0" cy="0"/>
+          <a:chOff x="0" y="0"/>
+          <a:chExt cx="0" cy="0"/>
+        </a:xfrm>
+      </p:grpSpPr>
+      <p:sp>
+        <p:nvSpPr>
+          <p:cNvPr id="2" name="Título 1"/>
+          <p:cNvSpPr>
+            <a:spLocks noGrp="1"/>
+          </p:cNvSpPr>
+          <p:nvPr>
+            <p:ph type="title"/>
+          </p:nvPr>
+        </p:nvSpPr>
+        <p:spPr/>
+        <p:txBody>
+          <a:bodyPr/>
+          <a:lstStyle/>
+          <a:p>
+            <a:r>
+              <a:rPr lang="pt-BR" dirty="0" smtClean="0"/>
+              <a:t>Referencia </a:t>
+            </a:r>
+            <a:endParaRPr lang="pt-BR" dirty="0"/>
+          </a:p>
+        </p:txBody>
+      </p:sp>
+      <p:sp>
+        <p:nvSpPr>
+          <p:cNvPr id="3" name="Espaço Reservado para Conteúdo 2"/>
+          <p:cNvSpPr>
+            <a:spLocks noGrp="1"/>
+          </p:cNvSpPr>
+          <p:nvPr>
+            <p:ph idx="1"/>
+          </p:nvPr>
+        </p:nvSpPr>
+        <p:spPr/>
+        <p:txBody>
+          <a:bodyPr/>
+          <a:lstStyle/>
+          <a:p>
+            <a:r>
+              <a:rPr lang="pt-BR" dirty="0" smtClean="0"/>
+              <a:t>-Desta</a:t>
+            </a:r>
+            <a:r>
+              <a:rPr lang="pt-BR" dirty="0"/>
+              <a:t>, </a:t>
+            </a:r>
+            <a:r>
+              <a:rPr lang="pt-BR" dirty="0" err="1"/>
+              <a:t>Mikyas</a:t>
+            </a:r>
+            <a:r>
+              <a:rPr lang="pt-BR" dirty="0"/>
+              <a:t> T., Larry Chen, e </a:t>
+            </a:r>
+            <a:r>
+              <a:rPr lang="pt-BR" dirty="0" err="1"/>
+              <a:t>Tomasz</a:t>
+            </a:r>
+            <a:r>
+              <a:rPr lang="pt-BR" dirty="0"/>
+              <a:t> </a:t>
+            </a:r>
+            <a:r>
+              <a:rPr lang="pt-BR" dirty="0" err="1"/>
+              <a:t>Kornuta</a:t>
+            </a:r>
+            <a:r>
+              <a:rPr lang="pt-BR" dirty="0"/>
+              <a:t>. “</a:t>
+            </a:r>
+            <a:r>
+              <a:rPr lang="pt-BR" dirty="0" err="1"/>
+              <a:t>Object</a:t>
+            </a:r>
+            <a:r>
+              <a:rPr lang="pt-BR" dirty="0"/>
+              <a:t>-Based </a:t>
+            </a:r>
+            <a:r>
+              <a:rPr lang="pt-BR" dirty="0" err="1"/>
+              <a:t>Reasoning</a:t>
+            </a:r>
+            <a:r>
+              <a:rPr lang="pt-BR" dirty="0"/>
+              <a:t> in VQA”. In </a:t>
+            </a:r>
+            <a:r>
+              <a:rPr lang="pt-BR" i="1" dirty="0"/>
+              <a:t>2018 IEEE </a:t>
+            </a:r>
+            <a:r>
+              <a:rPr lang="pt-BR" i="1" dirty="0" err="1"/>
+              <a:t>Winter</a:t>
+            </a:r>
+            <a:r>
+              <a:rPr lang="pt-BR" i="1" dirty="0"/>
+              <a:t> Conference on Applications of Computer Vision (WACV)</a:t>
+            </a:r>
+            <a:r>
+              <a:rPr lang="pt-BR" dirty="0"/>
+              <a:t>, 1814–23. Lake </a:t>
+            </a:r>
+            <a:r>
+              <a:rPr lang="pt-BR" dirty="0" err="1"/>
+              <a:t>Tahoe</a:t>
+            </a:r>
+            <a:r>
+              <a:rPr lang="pt-BR" dirty="0"/>
+              <a:t>, NV: IEEE, 2018. </a:t>
+            </a:r>
+            <a:r>
+              <a:rPr lang="pt-BR" dirty="0">
+                <a:hlinkClick r:id="rId2"/>
+              </a:rPr>
+              <a:t>https://doi.org/10.1109/WACV.2018.00201</a:t>
+            </a:r>
+            <a:r>
+              <a:rPr lang="pt-BR" dirty="0"/>
+              <a:t>.</a:t>
+            </a:r>
+          </a:p>
+          <a:p>
+            <a:endParaRPr lang="pt-BR" dirty="0"/>
+          </a:p>
+        </p:txBody>
+      </p:sp>
+      <p:sp>
+        <p:nvSpPr>
+          <p:cNvPr id="4" name="Espaço Reservado para Número de Slide 3"/>
+          <p:cNvSpPr>
+            <a:spLocks noGrp="1"/>
+          </p:cNvSpPr>
+          <p:nvPr>
+            <p:ph type="sldNum" sz="quarter" idx="12"/>
+          </p:nvPr>
+        </p:nvSpPr>
+        <p:spPr/>
+        <p:txBody>
+          <a:bodyPr/>
+          <a:lstStyle/>
+          <a:p>
+            <a:fld id="{3EBE14EB-223E-495E-93EA-4AA64DE8DADD}" type="slidenum">
+              <a:rPr lang="pt-BR" smtClean="0"/>
+              <a:t>20</a:t>
+            </a:fld>
+            <a:endParaRPr lang="pt-BR" dirty="0"/>
+          </a:p>
+        </p:txBody>
+      </p:sp>
+      <p:sp>
+        <p:nvSpPr>
+          <p:cNvPr id="5" name="Retângulo 4"/>
+          <p:cNvSpPr/>
+          <p:nvPr/>
+        </p:nvSpPr>
+        <p:spPr>
+          <a:xfrm>
+            <a:off x="838200" y="3384351"/>
+            <a:ext cx="10515600" cy="923330"/>
+          </a:xfrm>
+          <a:prstGeom prst="rect">
+            <a:avLst/>
+          </a:prstGeom>
+        </p:spPr>
+        <p:txBody>
+          <a:bodyPr wrap="square">
+            <a:spAutoFit/>
+          </a:bodyPr>
+          <a:lstStyle/>
+          <a:p>
+            <a:r>
+              <a:rPr lang="pt-BR" dirty="0"/>
+              <a:t>Sandler, Mark, Andrew Howard, </a:t>
+            </a:r>
+            <a:r>
+              <a:rPr lang="pt-BR" dirty="0" err="1"/>
+              <a:t>Menglong</a:t>
+            </a:r>
+            <a:r>
+              <a:rPr lang="pt-BR" dirty="0"/>
+              <a:t> Zhu, Andrey </a:t>
+            </a:r>
+            <a:r>
+              <a:rPr lang="pt-BR" dirty="0" err="1"/>
+              <a:t>Zhmoginov</a:t>
+            </a:r>
+            <a:r>
+              <a:rPr lang="pt-BR" dirty="0"/>
+              <a:t>, e </a:t>
+            </a:r>
+            <a:r>
+              <a:rPr lang="pt-BR" dirty="0" err="1"/>
+              <a:t>Liang</a:t>
+            </a:r>
+            <a:r>
+              <a:rPr lang="pt-BR" dirty="0"/>
+              <a:t>-Chieh Chen. “MobileNetV2: </a:t>
+            </a:r>
+            <a:r>
+              <a:rPr lang="pt-BR" dirty="0" err="1"/>
+              <a:t>Inverted</a:t>
+            </a:r>
+            <a:r>
+              <a:rPr lang="pt-BR" dirty="0"/>
+              <a:t> </a:t>
+            </a:r>
+            <a:r>
+              <a:rPr lang="pt-BR" dirty="0" err="1"/>
+              <a:t>Residuals</a:t>
+            </a:r>
+            <a:r>
+              <a:rPr lang="pt-BR" dirty="0"/>
+              <a:t> and Linear </a:t>
+            </a:r>
+            <a:r>
+              <a:rPr lang="pt-BR" dirty="0" err="1"/>
+              <a:t>Bottlenecks</a:t>
+            </a:r>
+            <a:r>
+              <a:rPr lang="pt-BR" dirty="0"/>
+              <a:t>”. In </a:t>
+            </a:r>
+            <a:r>
+              <a:rPr lang="pt-BR" i="1" dirty="0"/>
+              <a:t>2018 IEEE/CVF Conference on Computer Vision and </a:t>
+            </a:r>
+            <a:r>
+              <a:rPr lang="pt-BR" i="1" dirty="0" err="1"/>
+              <a:t>Pattern</a:t>
+            </a:r>
+            <a:r>
+              <a:rPr lang="pt-BR" i="1" dirty="0"/>
+              <a:t> </a:t>
+            </a:r>
+            <a:r>
+              <a:rPr lang="pt-BR" i="1" dirty="0" err="1"/>
+              <a:t>Recognition</a:t>
+            </a:r>
+            <a:r>
+              <a:rPr lang="pt-BR" dirty="0"/>
+              <a:t>, 4510–20. Salt Lake City, UT: IEEE, 2018. </a:t>
+            </a:r>
+            <a:r>
+              <a:rPr lang="pt-BR" dirty="0">
+                <a:hlinkClick r:id="rId3"/>
+              </a:rPr>
+              <a:t>https://doi.org/10.1109/CVPR.2018.00474</a:t>
+            </a:r>
+            <a:r>
+              <a:rPr lang="pt-BR" dirty="0"/>
+              <a:t>.</a:t>
+            </a:r>
+            <a:endParaRPr lang="pt-BR" dirty="0">
+              <a:effectLst/>
+            </a:endParaRPr>
+          </a:p>
+        </p:txBody>
+      </p:sp>
+    </p:spTree>
+    <p:extLst>
+      <p:ext uri="{BB962C8B-B14F-4D97-AF65-F5344CB8AC3E}">
+        <p14:creationId xmlns:p14="http://schemas.microsoft.com/office/powerpoint/2010/main" val="2181237900"/>
+      </p:ext>
+    </p:extLst>
+  </p:cSld>
+  <p:clrMapOvr>
+    <a:masterClrMapping/>
+  </p:clrMapOvr>
+  <p:timing>
+    <p:tnLst>
+      <p:par>
+        <p:cTn id="1" dur="indefinite" restart="never" nodeType="tmRoot"/>
+      </p:par>
+    </p:tnLst>
+  </p:timing>
+</p:sld>
+</file>
+
+<file path=ppt/slides/slide21.xml><?xml version="1.0" encoding="utf-8"?>
+<p:sld xmlns:a="http://schemas.openxmlformats.org/drawingml/2006/main" xmlns:r="http://schemas.openxmlformats.org/officeDocument/2006/relationships" xmlns:p="http://schemas.openxmlformats.org/presentationml/2006/main">
+  <p:cSld>
+    <p:spTree>
+      <p:nvGrpSpPr>
+        <p:cNvPr id="1" name=""/>
+        <p:cNvGrpSpPr/>
+        <p:nvPr/>
+      </p:nvGrpSpPr>
+      <p:grpSpPr>
+        <a:xfrm>
+          <a:off x="0" y="0"/>
+          <a:ext cx="0" cy="0"/>
+          <a:chOff x="0" y="0"/>
+          <a:chExt cx="0" cy="0"/>
+        </a:xfrm>
+      </p:grpSpPr>
+      <p:sp>
+        <p:nvSpPr>
+          <p:cNvPr id="2" name="Título 1"/>
+          <p:cNvSpPr>
+            <a:spLocks noGrp="1"/>
+          </p:cNvSpPr>
+          <p:nvPr>
+            <p:ph type="ctrTitle"/>
+          </p:nvPr>
+        </p:nvSpPr>
+        <p:spPr>
+          <a:xfrm>
+            <a:off x="2093155" y="2350424"/>
+            <a:ext cx="9258300" cy="2069566"/>
+          </a:xfrm>
+        </p:spPr>
+        <p:txBody>
+          <a:bodyPr>
+            <a:normAutofit/>
+          </a:bodyPr>
+          <a:lstStyle/>
+          <a:p>
+            <a:r>
+              <a:rPr lang="pt-BR" sz="8000" dirty="0" smtClean="0"/>
+              <a:t>Obrigado ! </a:t>
+            </a:r>
+            <a:endParaRPr lang="pt-BR" sz="8000" dirty="0"/>
+          </a:p>
+        </p:txBody>
+      </p:sp>
+      <p:sp>
+        <p:nvSpPr>
+          <p:cNvPr id="4" name="Espaço Reservado para Número de Slide 3"/>
+          <p:cNvSpPr>
+            <a:spLocks noGrp="1"/>
+          </p:cNvSpPr>
+          <p:nvPr>
+            <p:ph type="sldNum" sz="quarter" idx="12"/>
+          </p:nvPr>
+        </p:nvSpPr>
+        <p:spPr/>
+        <p:txBody>
+          <a:bodyPr/>
+          <a:lstStyle/>
+          <a:p>
+            <a:fld id="{3EBE14EB-223E-495E-93EA-4AA64DE8DADD}" type="slidenum">
+              <a:rPr lang="pt-BR" smtClean="0"/>
+              <a:t>21</a:t>
+            </a:fld>
+            <a:endParaRPr lang="pt-BR" dirty="0"/>
+          </a:p>
+        </p:txBody>
+      </p:sp>
+    </p:spTree>
+    <p:extLst>
+      <p:ext uri="{BB962C8B-B14F-4D97-AF65-F5344CB8AC3E}">
+        <p14:creationId xmlns:p14="http://schemas.microsoft.com/office/powerpoint/2010/main" val="3808425455"/>
+      </p:ext>
+    </p:extLst>
+  </p:cSld>
+  <p:clrMapOvr>
+    <a:masterClrMapping/>
+  </p:clrMapOvr>
+  <p:timing>
+    <p:tnLst>
+      <p:par>
+        <p:cTn id="1" dur="indefinite" restart="never" nodeType="tmRoot"/>
+      </p:par>
+    </p:tnLst>
+  </p:timing>
 </p:sld>
 </file>
 
@@ -4309,8 +6593,20 @@
           <a:lstStyle/>
           <a:p>
             <a:r>
+              <a:rPr lang="pt-BR" dirty="0" err="1" smtClean="0"/>
+              <a:t>Clevr</a:t>
+            </a:r>
+            <a:r>
               <a:rPr lang="pt-BR" dirty="0" smtClean="0"/>
-              <a:t>Testes realizados </a:t>
+              <a:t> </a:t>
+            </a:r>
+            <a:r>
+              <a:rPr lang="pt-BR" dirty="0" err="1" smtClean="0"/>
+              <a:t>Dataset</a:t>
+            </a:r>
+            <a:r>
+              <a:rPr lang="pt-BR" dirty="0" smtClean="0"/>
+              <a:t> </a:t>
             </a:r>
             <a:endParaRPr lang="pt-BR" dirty="0"/>
           </a:p>
@@ -4328,78 +6624,88 @@
         </p:nvSpPr>
         <p:spPr>
           <a:xfrm>
-            <a:off x="333233" y="1188243"/>
+            <a:off x="440266" y="1188243"/>
             <a:ext cx="10515600" cy="4652963"/>
           </a:xfrm>
         </p:spPr>
         <p:txBody>
-          <a:bodyPr/>
-          <a:lstStyle/>
-          <a:p>
-            <a:r>
-              <a:rPr lang="pt-BR" dirty="0" smtClean="0"/>
-              <a:t> - Foi criado uma rede neural com a arquitetura abaixo , utilizando </a:t>
-            </a:r>
-            <a:r>
-              <a:rPr lang="pt-BR" dirty="0" err="1" smtClean="0"/>
-              <a:t>python</a:t>
-            </a:r>
-            <a:r>
-              <a:rPr lang="pt-BR" dirty="0" smtClean="0"/>
-              <a:t> e </a:t>
-            </a:r>
-            <a:r>
-              <a:rPr lang="pt-BR" dirty="0" err="1" smtClean="0"/>
-              <a:t>tensorflow</a:t>
-            </a:r>
-            <a:r>
-              <a:rPr lang="pt-BR" dirty="0" smtClean="0"/>
+          <a:bodyPr>
+            <a:normAutofit lnSpcReduction="10000"/>
+          </a:bodyPr>
+          <a:lstStyle/>
+          <a:p>
+            <a:pPr marL="457200" indent="-457200">
+              <a:buFont typeface="Arial" panose="020B0604020202020204" pitchFamily="34" charset="0"/>
+              <a:buChar char="•"/>
+            </a:pPr>
+            <a:r>
+              <a:rPr lang="pt-BR" b="0" dirty="0" smtClean="0"/>
+              <a:t>CLEVR tem como base o </a:t>
+            </a:r>
+            <a:r>
+              <a:rPr lang="pt-BR" b="0" u="sng" dirty="0" smtClean="0"/>
+              <a:t>SHAPES </a:t>
+            </a:r>
+            <a:r>
+              <a:rPr lang="pt-BR" b="0" dirty="0" err="1" smtClean="0"/>
+              <a:t>dataset</a:t>
+            </a:r>
+            <a:r>
+              <a:rPr lang="pt-BR" b="0" dirty="0" smtClean="0"/>
+              <a:t> , mas possuem questões mais variadas e complexas </a:t>
+            </a:r>
+          </a:p>
+          <a:p>
+            <a:pPr marL="457200" indent="-457200">
+              <a:buFont typeface="Arial" panose="020B0604020202020204" pitchFamily="34" charset="0"/>
+              <a:buChar char="•"/>
+            </a:pPr>
+            <a:r>
+              <a:rPr lang="pt-BR" b="0" dirty="0" smtClean="0"/>
+              <a:t>SHAPES contem 15,616 questões dentro delas 244 únicas  , já no CLEVR contem perto de um milhão de questões destas 853,444 são únicas . </a:t>
+            </a:r>
+          </a:p>
+          <a:p>
+            <a:pPr marL="457200" indent="-457200">
+              <a:buFont typeface="Arial" panose="020B0604020202020204" pitchFamily="34" charset="0"/>
+              <a:buChar char="•"/>
+            </a:pPr>
+            <a:r>
+              <a:rPr lang="pt-BR" b="0" dirty="0" smtClean="0"/>
+              <a:t>A base CLEVR é composta por questões que envolvem raciocínios lógicos conforme o gráfico abaixo : </a:t>
+            </a:r>
+          </a:p>
+          <a:p>
+            <a:pPr marL="457200" indent="-457200">
+              <a:buFont typeface="Arial" panose="020B0604020202020204" pitchFamily="34" charset="0"/>
+              <a:buChar char="•"/>
+            </a:pPr>
+            <a:endParaRPr lang="pt-BR" b="0" dirty="0" smtClean="0"/>
+          </a:p>
+          <a:p>
+            <a:pPr marL="457200" indent="-457200">
+              <a:buFont typeface="Arial" panose="020B0604020202020204" pitchFamily="34" charset="0"/>
+              <a:buChar char="•"/>
+            </a:pPr>
+            <a:endParaRPr lang="pt-BR" b="0" dirty="0" smtClean="0"/>
+          </a:p>
+          <a:p>
+            <a:pPr marL="457200" indent="-457200">
+              <a:buFont typeface="Arial" panose="020B0604020202020204" pitchFamily="34" charset="0"/>
+              <a:buChar char="•"/>
+            </a:pPr>
+            <a:endParaRPr lang="en-US" b="0" dirty="0"/>
+          </a:p>
+          <a:p>
+            <a:pPr marL="457200" indent="-457200">
+              <a:buFont typeface="Arial" panose="020B0604020202020204" pitchFamily="34" charset="0"/>
+              <a:buChar char="•"/>
+            </a:pPr>
+            <a:r>
+              <a:rPr lang="en-US" b="0" dirty="0" smtClean="0"/>
               <a:t> </a:t>
             </a:r>
-          </a:p>
-          <a:p>
-            <a:endParaRPr lang="pt-BR" dirty="0" smtClean="0"/>
-          </a:p>
-          <a:p>
-            <a:r>
-              <a:rPr lang="pt-BR" b="0" dirty="0"/>
-              <a:t>CNN – entrada da imagem, </a:t>
-            </a:r>
-            <a:r>
-              <a:rPr lang="pt-BR" b="0" dirty="0" err="1"/>
-              <a:t>pré</a:t>
-            </a:r>
-            <a:r>
-              <a:rPr lang="pt-BR" b="0" dirty="0"/>
-              <a:t> processamento</a:t>
-            </a:r>
-            <a:r>
-              <a:rPr lang="pt-BR" dirty="0" smtClean="0"/>
-              <a:t>  </a:t>
-            </a:r>
-          </a:p>
-          <a:p>
-            <a:r>
-              <a:rPr lang="pt-BR" b="0" dirty="0" smtClean="0"/>
-              <a:t>MobileNetV2 -&gt; para processamento das imagens </a:t>
-            </a:r>
-          </a:p>
-          <a:p>
-            <a:r>
-              <a:rPr lang="pt-BR" b="0" dirty="0" smtClean="0"/>
-              <a:t>RNN – processamento de texto </a:t>
-            </a:r>
             <a:endParaRPr lang="pt-BR" b="0" dirty="0"/>
-          </a:p>
-          <a:p>
-            <a:endParaRPr lang="pt-BR" dirty="0"/>
-          </a:p>
-          <a:p>
-            <a:r>
-              <a:rPr lang="pt-BR" dirty="0" smtClean="0"/>
-              <a:t>  </a:t>
-            </a:r>
-            <a:endParaRPr lang="pt-BR" dirty="0"/>
           </a:p>
         </p:txBody>
       </p:sp>
@@ -4426,16 +6732,75 @@
           </a:p>
         </p:txBody>
       </p:sp>
+      <p:pic>
+        <p:nvPicPr>
+          <p:cNvPr id="5" name="Imagem 4"/>
+          <p:cNvPicPr>
+            <a:picLocks noChangeAspect="1"/>
+          </p:cNvPicPr>
+          <p:nvPr/>
+        </p:nvPicPr>
+        <p:blipFill>
+          <a:blip r:embed="rId2"/>
+          <a:stretch>
+            <a:fillRect/>
+          </a:stretch>
+        </p:blipFill>
+        <p:spPr>
+          <a:xfrm>
+            <a:off x="2645322" y="3904218"/>
+            <a:ext cx="3219450" cy="2447925"/>
+          </a:xfrm>
+          <a:prstGeom prst="rect">
+            <a:avLst/>
+          </a:prstGeom>
+        </p:spPr>
+      </p:pic>
+      <p:sp>
+        <p:nvSpPr>
+          <p:cNvPr id="6" name="Retângulo 5"/>
+          <p:cNvSpPr/>
+          <p:nvPr/>
+        </p:nvSpPr>
+        <p:spPr>
+          <a:xfrm>
+            <a:off x="5864772" y="6352143"/>
+            <a:ext cx="3681905" cy="369332"/>
+          </a:xfrm>
+          <a:prstGeom prst="rect">
+            <a:avLst/>
+          </a:prstGeom>
+        </p:spPr>
+        <p:txBody>
+          <a:bodyPr wrap="none">
+            <a:spAutoFit/>
+          </a:bodyPr>
+          <a:lstStyle/>
+          <a:p>
+            <a:r>
+              <a:rPr lang="pt-BR" dirty="0"/>
+              <a:t>https://arxiv.org/pdf/1612.06890.pdf</a:t>
+            </a:r>
+          </a:p>
+        </p:txBody>
+      </p:sp>
     </p:spTree>
     <p:extLst>
       <p:ext uri="{BB962C8B-B14F-4D97-AF65-F5344CB8AC3E}">
-        <p14:creationId xmlns:p14="http://schemas.microsoft.com/office/powerpoint/2010/main" val="1514092908"/>
+        <p14:creationId xmlns:p14="http://schemas.microsoft.com/office/powerpoint/2010/main" val="957059311"/>
       </p:ext>
     </p:extLst>
   </p:cSld>
   <p:clrMapOvr>
     <a:masterClrMapping/>
   </p:clrMapOvr>
+  <p:timing>
+    <p:tnLst>
+      <p:par>
+        <p:cTn id="1" dur="indefinite" restart="never" nodeType="tmRoot"/>
+      </p:par>
+    </p:tnLst>
+  </p:timing>
 </p:sld>
 </file>
 
@@ -4466,38 +6831,33 @@
             <p:ph type="title"/>
           </p:nvPr>
         </p:nvSpPr>
+        <p:spPr/>
+        <p:txBody>
+          <a:bodyPr/>
+          <a:lstStyle/>
+          <a:p>
+            <a:r>
+              <a:rPr lang="pt-BR" dirty="0" smtClean="0"/>
+              <a:t>Teste – Geração da estrutura para testes  </a:t>
+            </a:r>
+            <a:endParaRPr lang="pt-BR" dirty="0"/>
+          </a:p>
+        </p:txBody>
+      </p:sp>
+      <p:sp>
+        <p:nvSpPr>
+          <p:cNvPr id="3" name="Espaço Reservado para Conteúdo 2"/>
+          <p:cNvSpPr>
+            <a:spLocks noGrp="1"/>
+          </p:cNvSpPr>
+          <p:nvPr>
+            <p:ph idx="1"/>
+          </p:nvPr>
+        </p:nvSpPr>
         <p:spPr>
           <a:xfrm>
-            <a:off x="372533" y="2"/>
-            <a:ext cx="10981267" cy="787790"/>
-          </a:xfrm>
-        </p:spPr>
-        <p:txBody>
-          <a:bodyPr/>
-          <a:lstStyle/>
-          <a:p>
-            <a:r>
-              <a:rPr lang="pt-BR" dirty="0" smtClean="0"/>
-              <a:t>Introdução</a:t>
-            </a:r>
-            <a:endParaRPr lang="pt-BR" dirty="0"/>
-          </a:p>
-        </p:txBody>
-      </p:sp>
-      <p:sp>
-        <p:nvSpPr>
-          <p:cNvPr id="3" name="Espaço Reservado para Conteúdo 2"/>
-          <p:cNvSpPr>
-            <a:spLocks noGrp="1"/>
-          </p:cNvSpPr>
-          <p:nvPr>
-            <p:ph idx="1"/>
-          </p:nvPr>
-        </p:nvSpPr>
-        <p:spPr>
-          <a:xfrm>
-            <a:off x="205153" y="1322363"/>
-            <a:ext cx="11836792" cy="5023413"/>
+            <a:off x="440265" y="937147"/>
+            <a:ext cx="11392343" cy="5419203"/>
           </a:xfrm>
         </p:spPr>
         <p:txBody>
@@ -4506,227 +6866,57 @@
           </a:bodyPr>
           <a:lstStyle/>
           <a:p>
-            <a:pPr marL="457200" indent="-457200">
-              <a:buFont typeface="Wingdings" panose="05000000000000000000" pitchFamily="2" charset="2"/>
-              <a:buChar char="ü"/>
-            </a:pPr>
-            <a:r>
-              <a:rPr lang="pt-BR" b="0" dirty="0" smtClean="0"/>
-              <a:t>Os </a:t>
-            </a:r>
-            <a:r>
-              <a:rPr lang="pt-BR" b="0" dirty="0"/>
-              <a:t>Sistemas Tutores Inteligentes são sistemas instrucionais baseados em computador com modelos de conteúdo instrucional que especificam ‘que’ </a:t>
-            </a:r>
-            <a:r>
-              <a:rPr lang="pt-BR" b="0" dirty="0" smtClean="0"/>
-              <a:t>ensinar e </a:t>
-            </a:r>
-            <a:r>
-              <a:rPr lang="pt-BR" b="0" dirty="0"/>
-              <a:t>estratégias de ensino que especificam ‘como’ ensinar</a:t>
-            </a:r>
-            <a:r>
-              <a:rPr lang="pt-BR" dirty="0"/>
-              <a:t>” </a:t>
-            </a:r>
-            <a:r>
-              <a:rPr lang="pt-BR" b="0" dirty="0" smtClean="0"/>
-              <a:t>[</a:t>
-            </a:r>
-            <a:r>
-              <a:rPr lang="en-US" b="0" dirty="0"/>
-              <a:t>WENGER</a:t>
-            </a:r>
-            <a:r>
-              <a:rPr lang="pt-BR" b="0" dirty="0" smtClean="0"/>
-              <a:t>]</a:t>
-            </a:r>
-          </a:p>
-          <a:p>
-            <a:pPr marL="457200" indent="-457200">
-              <a:buFont typeface="Wingdings" panose="05000000000000000000" pitchFamily="2" charset="2"/>
-              <a:buChar char="ü"/>
-            </a:pPr>
-            <a:endParaRPr lang="pt-BR" b="0" dirty="0" smtClean="0"/>
-          </a:p>
-          <a:p>
-            <a:pPr marL="457200" indent="-457200">
-              <a:buFont typeface="Wingdings" panose="05000000000000000000" pitchFamily="2" charset="2"/>
-              <a:buChar char="ü"/>
-            </a:pPr>
-            <a:r>
-              <a:rPr lang="pt-BR" b="0" dirty="0" smtClean="0"/>
-              <a:t>Fase do projeto </a:t>
-            </a:r>
-          </a:p>
-          <a:p>
-            <a:pPr marL="914400" lvl="1" indent="-457200">
-              <a:buFont typeface="Wingdings" panose="05000000000000000000" pitchFamily="2" charset="2"/>
-              <a:buChar char="ü"/>
-            </a:pPr>
-            <a:r>
-              <a:rPr lang="pt-BR" sz="2800" b="0" dirty="0">
-                <a:solidFill>
-                  <a:schemeClr val="tx1"/>
-                </a:solidFill>
-              </a:rPr>
-              <a:t>Geração de testes com a base de dados </a:t>
-            </a:r>
-            <a:r>
-              <a:rPr lang="pt-BR" sz="2800" b="0" dirty="0" err="1">
-                <a:solidFill>
-                  <a:schemeClr val="tx1"/>
-                </a:solidFill>
-              </a:rPr>
-              <a:t>Cclver</a:t>
-            </a:r>
-            <a:r>
-              <a:rPr lang="pt-BR" sz="2800" b="0" dirty="0">
-                <a:solidFill>
-                  <a:schemeClr val="tx1"/>
-                </a:solidFill>
-              </a:rPr>
+            <a:r>
+              <a:rPr lang="pt-BR" sz="2400" b="0" dirty="0" smtClean="0"/>
+              <a:t>A arquitetura deste testes foram idealizadas  baseando-se em  </a:t>
+            </a:r>
+            <a:r>
+              <a:rPr lang="pt-BR" sz="2400" dirty="0" smtClean="0"/>
+              <a:t>Larry, </a:t>
+            </a:r>
+            <a:r>
+              <a:rPr lang="pt-BR" sz="2400" dirty="0" err="1" smtClean="0"/>
+              <a:t>Dethas</a:t>
+            </a:r>
+            <a:r>
+              <a:rPr lang="pt-BR" sz="2400" dirty="0" smtClean="0"/>
               <a:t> </a:t>
             </a:r>
             <a:r>
-              <a:rPr lang="pt-BR" sz="2800" b="0" dirty="0" smtClean="0">
-                <a:solidFill>
-                  <a:schemeClr val="tx1"/>
-                </a:solidFill>
-              </a:rPr>
-              <a:t>( base estruturada composta por questões que exploram diferentes níveis de cognição )</a:t>
-            </a:r>
-          </a:p>
-          <a:p>
-            <a:pPr marL="914400" lvl="1" indent="-457200">
-              <a:buFont typeface="Wingdings" panose="05000000000000000000" pitchFamily="2" charset="2"/>
-              <a:buChar char="ü"/>
-            </a:pPr>
-            <a:r>
-              <a:rPr lang="pt-BR" sz="2800" b="0" dirty="0" smtClean="0">
-                <a:solidFill>
-                  <a:schemeClr val="tx1"/>
-                </a:solidFill>
-              </a:rPr>
-              <a:t>Geração de modelos de rede neurais para emular cognições utilizando  </a:t>
-            </a:r>
-            <a:r>
-              <a:rPr lang="pt-BR" sz="2800" b="0" dirty="0" err="1" smtClean="0">
-                <a:solidFill>
-                  <a:schemeClr val="tx1"/>
-                </a:solidFill>
-              </a:rPr>
-              <a:t>python</a:t>
-            </a:r>
-            <a:r>
-              <a:rPr lang="pt-BR" sz="2800" b="0" dirty="0" smtClean="0">
-                <a:solidFill>
-                  <a:schemeClr val="tx1"/>
-                </a:solidFill>
-              </a:rPr>
-              <a:t> , condas , </a:t>
-            </a:r>
-            <a:r>
-              <a:rPr lang="pt-BR" sz="2800" b="0" dirty="0" err="1">
-                <a:solidFill>
-                  <a:schemeClr val="tx1"/>
-                </a:solidFill>
-              </a:rPr>
-              <a:t>tensorflow</a:t>
-            </a:r>
-            <a:r>
-              <a:rPr lang="pt-BR" sz="2800" b="0" dirty="0" smtClean="0">
-                <a:solidFill>
-                  <a:schemeClr val="tx1"/>
-                </a:solidFill>
-              </a:rPr>
-              <a:t>, RNN (Recorrente neural network ),CNN(</a:t>
-            </a:r>
-            <a:r>
-              <a:rPr lang="pt-BR" sz="2800" b="0" dirty="0" err="1" smtClean="0">
-                <a:solidFill>
-                  <a:schemeClr val="tx1"/>
-                </a:solidFill>
-              </a:rPr>
-              <a:t>convolotional</a:t>
-            </a:r>
-            <a:r>
-              <a:rPr lang="pt-BR" sz="2800" b="0" dirty="0" smtClean="0">
-                <a:solidFill>
-                  <a:schemeClr val="tx1"/>
-                </a:solidFill>
-              </a:rPr>
-              <a:t> neural network ),LSMT(</a:t>
-            </a:r>
-            <a:r>
-              <a:rPr lang="pt-BR" sz="2800" b="0" dirty="0" err="1" smtClean="0">
-                <a:solidFill>
-                  <a:schemeClr val="tx1"/>
-                </a:solidFill>
-              </a:rPr>
-              <a:t>Long</a:t>
-            </a:r>
-            <a:r>
-              <a:rPr lang="pt-BR" sz="2800" b="0" dirty="0">
-                <a:solidFill>
-                  <a:schemeClr val="tx1"/>
-                </a:solidFill>
-              </a:rPr>
-              <a:t> Short-</a:t>
-            </a:r>
-            <a:r>
-              <a:rPr lang="pt-BR" sz="2800" b="0" dirty="0" err="1">
-                <a:solidFill>
-                  <a:schemeClr val="tx1"/>
-                </a:solidFill>
-              </a:rPr>
-              <a:t>Term</a:t>
-            </a:r>
-            <a:r>
-              <a:rPr lang="pt-BR" sz="2800" b="0" dirty="0">
-                <a:solidFill>
-                  <a:schemeClr val="tx1"/>
-                </a:solidFill>
-              </a:rPr>
+              <a:rPr lang="pt-BR" sz="2400" b="0" dirty="0" smtClean="0"/>
+              <a:t>e </a:t>
+            </a:r>
+            <a:r>
+              <a:rPr lang="pt-BR" sz="2400" b="0" dirty="0" err="1" smtClean="0"/>
+              <a:t>Tomasz</a:t>
+            </a:r>
+            <a:r>
+              <a:rPr lang="pt-BR" sz="2400" b="0" dirty="0" smtClean="0"/>
+              <a:t> (2018) na qual consiste originalmente em duas </a:t>
+            </a:r>
+            <a:r>
+              <a:rPr lang="pt-BR" sz="2400" b="0" dirty="0" err="1" smtClean="0"/>
+              <a:t>RNNs</a:t>
+            </a:r>
+            <a:r>
+              <a:rPr lang="pt-BR" sz="2400" b="0" dirty="0" smtClean="0"/>
+              <a:t> , na qual a primeira serve para  codificar uma sequencia de símbolos em uma rede e a outra para decodificar a representação em outra saída de símbolos , conforme representada na figura 2 . </a:t>
+            </a:r>
+          </a:p>
+          <a:p>
+            <a:r>
+              <a:rPr lang="pt-BR" sz="2400" b="0" dirty="0" smtClean="0"/>
               <a:t> </a:t>
             </a:r>
-            <a:r>
-              <a:rPr lang="pt-BR" sz="2800" b="0" dirty="0" err="1" smtClean="0">
-                <a:solidFill>
-                  <a:schemeClr val="tx1"/>
-                </a:solidFill>
-              </a:rPr>
-              <a:t>Memory</a:t>
-            </a:r>
-            <a:r>
-              <a:rPr lang="pt-BR" sz="2800" b="0" dirty="0">
-                <a:solidFill>
-                  <a:schemeClr val="tx1"/>
-                </a:solidFill>
-              </a:rPr>
-              <a:t>) </a:t>
-            </a:r>
-            <a:r>
-              <a:rPr lang="pt-BR" sz="2800" b="0" dirty="0" smtClean="0">
-                <a:solidFill>
-                  <a:schemeClr val="tx1"/>
-                </a:solidFill>
-              </a:rPr>
-              <a:t>e MobileNetV2   </a:t>
-            </a:r>
-            <a:endParaRPr lang="pt-BR" sz="2800" b="0" dirty="0">
-              <a:solidFill>
-                <a:schemeClr val="tx1"/>
-              </a:solidFill>
-            </a:endParaRPr>
-          </a:p>
-          <a:p>
-            <a:pPr marL="457200" indent="-457200">
-              <a:buFont typeface="Wingdings" panose="05000000000000000000" pitchFamily="2" charset="2"/>
-              <a:buChar char="ü"/>
-            </a:pPr>
-            <a:endParaRPr lang="pt-BR" b="0" dirty="0"/>
+          </a:p>
+          <a:p>
+            <a:r>
+              <a:rPr lang="pt-BR" sz="2400" b="0" dirty="0" smtClean="0"/>
+              <a:t> 	</a:t>
+            </a:r>
+          </a:p>
+          <a:p>
+            <a:endParaRPr lang="pt-BR" sz="2400" b="0" dirty="0"/>
           </a:p>
         </p:txBody>
       </p:sp>
@@ -4740,12 +6930,7 @@
             <p:ph type="sldNum" sz="quarter" idx="12"/>
           </p:nvPr>
         </p:nvSpPr>
-        <p:spPr>
-          <a:xfrm>
-            <a:off x="8610600" y="5982777"/>
-            <a:ext cx="2743200" cy="365125"/>
-          </a:xfrm>
-        </p:spPr>
+        <p:spPr/>
         <p:txBody>
           <a:bodyPr/>
           <a:lstStyle/>
@@ -4758,10 +6943,34 @@
           </a:p>
         </p:txBody>
       </p:sp>
+      <p:pic>
+        <p:nvPicPr>
+          <p:cNvPr id="5" name="Imagem 4"/>
+          <p:cNvPicPr>
+            <a:picLocks noChangeAspect="1"/>
+          </p:cNvPicPr>
+          <p:nvPr/>
+        </p:nvPicPr>
+        <p:blipFill>
+          <a:blip r:embed="rId2"/>
+          <a:stretch>
+            <a:fillRect/>
+          </a:stretch>
+        </p:blipFill>
+        <p:spPr>
+          <a:xfrm>
+            <a:off x="1569564" y="2615677"/>
+            <a:ext cx="8776704" cy="3476625"/>
+          </a:xfrm>
+          <a:prstGeom prst="rect">
+            <a:avLst/>
+          </a:prstGeom>
+        </p:spPr>
+      </p:pic>
     </p:spTree>
     <p:extLst>
       <p:ext uri="{BB962C8B-B14F-4D97-AF65-F5344CB8AC3E}">
-        <p14:creationId xmlns:p14="http://schemas.microsoft.com/office/powerpoint/2010/main" val="321072620"/>
+        <p14:creationId xmlns:p14="http://schemas.microsoft.com/office/powerpoint/2010/main" val="3526324055"/>
       </p:ext>
     </p:extLst>
   </p:cSld>
@@ -4802,26 +7011,132 @@
             <a:spLocks noGrp="1"/>
           </p:cNvSpPr>
           <p:nvPr>
-            <p:ph type="ctrTitle"/>
+            <p:ph type="title"/>
+          </p:nvPr>
+        </p:nvSpPr>
+        <p:spPr/>
+        <p:txBody>
+          <a:bodyPr/>
+          <a:lstStyle/>
+          <a:p>
+            <a:r>
+              <a:rPr lang="pt-BR" dirty="0"/>
+              <a:t>Teste – Geração da estrutura para testes </a:t>
+            </a:r>
+          </a:p>
+        </p:txBody>
+      </p:sp>
+      <p:sp>
+        <p:nvSpPr>
+          <p:cNvPr id="3" name="Espaço Reservado para Conteúdo 2"/>
+          <p:cNvSpPr>
+            <a:spLocks noGrp="1"/>
+          </p:cNvSpPr>
+          <p:nvPr>
+            <p:ph idx="1"/>
           </p:nvPr>
         </p:nvSpPr>
         <p:spPr>
           <a:xfrm>
-            <a:off x="2093155" y="2350424"/>
-            <a:ext cx="9258300" cy="2069566"/>
+            <a:off x="207433" y="964442"/>
+            <a:ext cx="11625176" cy="5391908"/>
           </a:xfrm>
         </p:spPr>
         <p:txBody>
           <a:bodyPr>
-            <a:normAutofit/>
+            <a:normAutofit lnSpcReduction="10000"/>
           </a:bodyPr>
           <a:lstStyle/>
           <a:p>
             <a:r>
-              <a:rPr lang="pt-BR" sz="8000" dirty="0" smtClean="0"/>
-              <a:t>Obrigado ! </a:t>
-            </a:r>
-            <a:endParaRPr lang="pt-BR" sz="8000" dirty="0"/>
+              <a:rPr lang="pt-BR" b="0" dirty="0" smtClean="0"/>
+              <a:t> </a:t>
+            </a:r>
+            <a:r>
+              <a:rPr lang="pt-BR" b="0" dirty="0" err="1"/>
+              <a:t>I</a:t>
+            </a:r>
+            <a:r>
+              <a:rPr lang="pt-BR" b="0" dirty="0" err="1" smtClean="0"/>
+              <a:t>mage</a:t>
+            </a:r>
+            <a:r>
+              <a:rPr lang="pt-BR" b="0" dirty="0" smtClean="0"/>
+              <a:t> </a:t>
+            </a:r>
+            <a:r>
+              <a:rPr lang="pt-BR" b="0" dirty="0" err="1" smtClean="0"/>
+              <a:t>encoder</a:t>
+            </a:r>
+            <a:r>
+              <a:rPr lang="pt-BR" b="0" dirty="0" smtClean="0"/>
+              <a:t>  : Antes da decodificação da imagem  foi usando a técnica de </a:t>
+            </a:r>
+            <a:r>
+              <a:rPr lang="pt-BR" b="0" dirty="0" err="1" smtClean="0"/>
+              <a:t>padding</a:t>
+            </a:r>
+            <a:r>
+              <a:rPr lang="pt-BR" b="0" dirty="0" smtClean="0"/>
+              <a:t>, que consiste em criar uma moldura na imagem conforme imagem abaixo : </a:t>
+            </a:r>
+          </a:p>
+          <a:p>
+            <a:endParaRPr lang="pt-BR" b="0" dirty="0" smtClean="0"/>
+          </a:p>
+          <a:p>
+            <a:endParaRPr lang="pt-BR" b="0" dirty="0"/>
+          </a:p>
+          <a:p>
+            <a:endParaRPr lang="pt-BR" b="0" dirty="0" smtClean="0"/>
+          </a:p>
+          <a:p>
+            <a:endParaRPr lang="pt-BR" b="0" dirty="0" smtClean="0"/>
+          </a:p>
+          <a:p>
+            <a:endParaRPr lang="pt-BR" b="0" dirty="0"/>
+          </a:p>
+          <a:p>
+            <a:r>
+              <a:rPr lang="pt-BR" b="0" dirty="0" smtClean="0"/>
+              <a:t>Após a aplicação desta </a:t>
+            </a:r>
+            <a:r>
+              <a:rPr lang="pt-BR" b="0" dirty="0" err="1" smtClean="0"/>
+              <a:t>ténica</a:t>
+            </a:r>
+            <a:r>
+              <a:rPr lang="pt-BR" b="0" dirty="0" smtClean="0"/>
+              <a:t> foi utilizada a arquitetura de rede mobilnetv2 da </a:t>
+            </a:r>
+            <a:r>
+              <a:rPr lang="pt-BR" b="0" dirty="0" err="1" smtClean="0"/>
+              <a:t>google</a:t>
+            </a:r>
+            <a:r>
+              <a:rPr lang="pt-BR" b="0" dirty="0" smtClean="0"/>
+              <a:t>  que segundo </a:t>
+            </a:r>
+            <a:r>
+              <a:rPr lang="pt-BR" b="0" dirty="0" err="1" smtClean="0"/>
+              <a:t>Sandller</a:t>
+            </a:r>
+            <a:r>
+              <a:rPr lang="pt-BR" b="0" dirty="0" smtClean="0"/>
+              <a:t> 2018 , tem uma alta performance no reconhecimento de imagem </a:t>
+            </a:r>
+            <a:r>
+              <a:rPr lang="pt-BR" dirty="0" smtClean="0"/>
+              <a:t> .</a:t>
+            </a:r>
+            <a:endParaRPr lang="pt-BR" b="0" dirty="0"/>
+          </a:p>
+          <a:p>
+            <a:r>
+              <a:rPr lang="pt-BR" b="0" dirty="0" smtClean="0"/>
+              <a:t> </a:t>
+            </a:r>
+            <a:endParaRPr lang="pt-BR" b="0" dirty="0"/>
           </a:p>
         </p:txBody>
       </p:sp>
@@ -4848,10 +7163,1077 @@
           </a:p>
         </p:txBody>
       </p:sp>
+      <p:sp>
+        <p:nvSpPr>
+          <p:cNvPr id="5" name="AutoShape 2" descr="image.png"/>
+          <p:cNvSpPr>
+            <a:spLocks noChangeAspect="1" noChangeArrowheads="1"/>
+          </p:cNvSpPr>
+          <p:nvPr/>
+        </p:nvSpPr>
+        <p:spPr bwMode="auto">
+          <a:xfrm>
+            <a:off x="155575" y="-144463"/>
+            <a:ext cx="304800" cy="304801"/>
+          </a:xfrm>
+          <a:prstGeom prst="rect">
+            <a:avLst/>
+          </a:prstGeom>
+          <a:noFill/>
+          <a:extLst>
+            <a:ext uri="{909E8E84-426E-40DD-AFC4-6F175D3DCCD1}">
+              <a14:hiddenFill xmlns:a14="http://schemas.microsoft.com/office/drawing/2010/main">
+                <a:solidFill>
+                  <a:srgbClr val="FFFFFF"/>
+                </a:solidFill>
+              </a14:hiddenFill>
+            </a:ext>
+          </a:extLst>
+        </p:spPr>
+        <p:txBody>
+          <a:bodyPr vert="horz" wrap="square" lIns="91440" tIns="45720" rIns="91440" bIns="45720" numCol="1" anchor="t" anchorCtr="0" compatLnSpc="1">
+            <a:prstTxWarp prst="textNoShape">
+              <a:avLst/>
+            </a:prstTxWarp>
+          </a:bodyPr>
+          <a:lstStyle/>
+          <a:p>
+            <a:endParaRPr lang="pt-BR"/>
+          </a:p>
+        </p:txBody>
+      </p:sp>
+      <p:sp>
+        <p:nvSpPr>
+          <p:cNvPr id="6" name="AutoShape 4" descr="image.png"/>
+          <p:cNvSpPr>
+            <a:spLocks noChangeAspect="1" noChangeArrowheads="1"/>
+          </p:cNvSpPr>
+          <p:nvPr/>
+        </p:nvSpPr>
+        <p:spPr bwMode="auto">
+          <a:xfrm>
+            <a:off x="307975" y="7937"/>
+            <a:ext cx="2585350" cy="2585358"/>
+          </a:xfrm>
+          <a:prstGeom prst="rect">
+            <a:avLst/>
+          </a:prstGeom>
+          <a:noFill/>
+          <a:extLst>
+            <a:ext uri="{909E8E84-426E-40DD-AFC4-6F175D3DCCD1}">
+              <a14:hiddenFill xmlns:a14="http://schemas.microsoft.com/office/drawing/2010/main">
+                <a:solidFill>
+                  <a:srgbClr val="FFFFFF"/>
+                </a:solidFill>
+              </a14:hiddenFill>
+            </a:ext>
+          </a:extLst>
+        </p:spPr>
+        <p:txBody>
+          <a:bodyPr vert="horz" wrap="square" lIns="91440" tIns="45720" rIns="91440" bIns="45720" numCol="1" anchor="t" anchorCtr="0" compatLnSpc="1">
+            <a:prstTxWarp prst="textNoShape">
+              <a:avLst/>
+            </a:prstTxWarp>
+          </a:bodyPr>
+          <a:lstStyle/>
+          <a:p>
+            <a:endParaRPr lang="pt-BR"/>
+          </a:p>
+        </p:txBody>
+      </p:sp>
+      <p:pic>
+        <p:nvPicPr>
+          <p:cNvPr id="7" name="Imagem 6"/>
+          <p:cNvPicPr>
+            <a:picLocks noChangeAspect="1"/>
+          </p:cNvPicPr>
+          <p:nvPr/>
+        </p:nvPicPr>
+        <p:blipFill>
+          <a:blip r:embed="rId2"/>
+          <a:stretch>
+            <a:fillRect/>
+          </a:stretch>
+        </p:blipFill>
+        <p:spPr>
+          <a:xfrm>
+            <a:off x="1518763" y="2110996"/>
+            <a:ext cx="4559837" cy="1901446"/>
+          </a:xfrm>
+          <a:prstGeom prst="rect">
+            <a:avLst/>
+          </a:prstGeom>
+        </p:spPr>
+      </p:pic>
+      <p:pic>
+        <p:nvPicPr>
+          <p:cNvPr id="8" name="Imagem 7"/>
+          <p:cNvPicPr>
+            <a:picLocks noChangeAspect="1"/>
+          </p:cNvPicPr>
+          <p:nvPr/>
+        </p:nvPicPr>
+        <p:blipFill>
+          <a:blip r:embed="rId3"/>
+          <a:stretch>
+            <a:fillRect/>
+          </a:stretch>
+        </p:blipFill>
+        <p:spPr>
+          <a:xfrm>
+            <a:off x="6240919" y="2418663"/>
+            <a:ext cx="5429370" cy="1241733"/>
+          </a:xfrm>
+          <a:prstGeom prst="rect">
+            <a:avLst/>
+          </a:prstGeom>
+        </p:spPr>
+      </p:pic>
     </p:spTree>
     <p:extLst>
       <p:ext uri="{BB962C8B-B14F-4D97-AF65-F5344CB8AC3E}">
-        <p14:creationId xmlns:p14="http://schemas.microsoft.com/office/powerpoint/2010/main" val="3808425455"/>
+        <p14:creationId xmlns:p14="http://schemas.microsoft.com/office/powerpoint/2010/main" val="2861930475"/>
+      </p:ext>
+    </p:extLst>
+  </p:cSld>
+  <p:clrMapOvr>
+    <a:masterClrMapping/>
+  </p:clrMapOvr>
+  <p:timing>
+    <p:tnLst>
+      <p:par>
+        <p:cTn id="1" dur="indefinite" restart="never" nodeType="tmRoot"/>
+      </p:par>
+    </p:tnLst>
+  </p:timing>
+</p:sld>
+</file>
+
+<file path=ppt/slides/slide6.xml><?xml version="1.0" encoding="utf-8"?>
+<p:sld xmlns:a="http://schemas.openxmlformats.org/drawingml/2006/main" xmlns:r="http://schemas.openxmlformats.org/officeDocument/2006/relationships" xmlns:p="http://schemas.openxmlformats.org/presentationml/2006/main">
+  <p:cSld>
+    <p:spTree>
+      <p:nvGrpSpPr>
+        <p:cNvPr id="1" name=""/>
+        <p:cNvGrpSpPr/>
+        <p:nvPr/>
+      </p:nvGrpSpPr>
+      <p:grpSpPr>
+        <a:xfrm>
+          <a:off x="0" y="0"/>
+          <a:ext cx="0" cy="0"/>
+          <a:chOff x="0" y="0"/>
+          <a:chExt cx="0" cy="0"/>
+        </a:xfrm>
+      </p:grpSpPr>
+      <p:sp>
+        <p:nvSpPr>
+          <p:cNvPr id="2" name="Título 1"/>
+          <p:cNvSpPr>
+            <a:spLocks noGrp="1"/>
+          </p:cNvSpPr>
+          <p:nvPr>
+            <p:ph type="title"/>
+          </p:nvPr>
+        </p:nvSpPr>
+        <p:spPr/>
+        <p:txBody>
+          <a:bodyPr/>
+          <a:lstStyle/>
+          <a:p>
+            <a:r>
+              <a:rPr lang="pt-BR" dirty="0"/>
+              <a:t>Teste – Geração da estrutura para testes </a:t>
+            </a:r>
+          </a:p>
+        </p:txBody>
+      </p:sp>
+      <p:sp>
+        <p:nvSpPr>
+          <p:cNvPr id="4" name="Espaço Reservado para Número de Slide 3"/>
+          <p:cNvSpPr>
+            <a:spLocks noGrp="1"/>
+          </p:cNvSpPr>
+          <p:nvPr>
+            <p:ph type="sldNum" sz="quarter" idx="12"/>
+          </p:nvPr>
+        </p:nvSpPr>
+        <p:spPr/>
+        <p:txBody>
+          <a:bodyPr/>
+          <a:lstStyle/>
+          <a:p>
+            <a:fld id="{3EBE14EB-223E-495E-93EA-4AA64DE8DADD}" type="slidenum">
+              <a:rPr lang="pt-BR" smtClean="0"/>
+              <a:t>6</a:t>
+            </a:fld>
+            <a:endParaRPr lang="pt-BR" dirty="0"/>
+          </a:p>
+        </p:txBody>
+      </p:sp>
+      <p:sp>
+        <p:nvSpPr>
+          <p:cNvPr id="7" name="Espaço Reservado para Conteúdo 2"/>
+          <p:cNvSpPr>
+            <a:spLocks noGrp="1"/>
+          </p:cNvSpPr>
+          <p:nvPr>
+            <p:ph idx="1"/>
+          </p:nvPr>
+        </p:nvSpPr>
+        <p:spPr>
+          <a:xfrm>
+            <a:off x="207433" y="964442"/>
+            <a:ext cx="11625176" cy="5391908"/>
+          </a:xfrm>
+        </p:spPr>
+        <p:txBody>
+          <a:bodyPr>
+            <a:normAutofit/>
+          </a:bodyPr>
+          <a:lstStyle/>
+          <a:p>
+            <a:r>
+              <a:rPr lang="pt-BR" b="0" dirty="0" smtClean="0"/>
+              <a:t> Para codificação do texto foi utilizado o </a:t>
+            </a:r>
+            <a:r>
+              <a:rPr lang="pt-BR" b="0" dirty="0" err="1" smtClean="0"/>
+              <a:t>GloVe</a:t>
+            </a:r>
+            <a:r>
+              <a:rPr lang="pt-BR" b="0" dirty="0" smtClean="0"/>
+              <a:t> </a:t>
+            </a:r>
+            <a:r>
+              <a:rPr lang="pt-BR" b="0" dirty="0"/>
+              <a:t>(vetores globais para representação de palavras) para codificar palavras </a:t>
+            </a:r>
+            <a:r>
+              <a:rPr lang="pt-BR" b="0" dirty="0" smtClean="0"/>
+              <a:t>interrogativas e uma LSTM </a:t>
+            </a:r>
+            <a:r>
+              <a:rPr lang="pt-BR" b="0" dirty="0"/>
+              <a:t>para produzir uma lista de saída codificada:</a:t>
+            </a:r>
+          </a:p>
+        </p:txBody>
+      </p:sp>
+      <p:pic>
+        <p:nvPicPr>
+          <p:cNvPr id="10" name="Imagem 9"/>
+          <p:cNvPicPr>
+            <a:picLocks noChangeAspect="1"/>
+          </p:cNvPicPr>
+          <p:nvPr/>
+        </p:nvPicPr>
+        <p:blipFill>
+          <a:blip r:embed="rId2"/>
+          <a:stretch>
+            <a:fillRect/>
+          </a:stretch>
+        </p:blipFill>
+        <p:spPr>
+          <a:xfrm>
+            <a:off x="1712508" y="2939457"/>
+            <a:ext cx="6149901" cy="1195814"/>
+          </a:xfrm>
+          <a:prstGeom prst="rect">
+            <a:avLst/>
+          </a:prstGeom>
+        </p:spPr>
+      </p:pic>
+      <p:sp>
+        <p:nvSpPr>
+          <p:cNvPr id="11" name="Retângulo 10"/>
+          <p:cNvSpPr/>
+          <p:nvPr/>
+        </p:nvSpPr>
+        <p:spPr>
+          <a:xfrm>
+            <a:off x="1863083" y="4133168"/>
+            <a:ext cx="2437399" cy="369332"/>
+          </a:xfrm>
+          <a:prstGeom prst="rect">
+            <a:avLst/>
+          </a:prstGeom>
+        </p:spPr>
+        <p:txBody>
+          <a:bodyPr wrap="none">
+            <a:spAutoFit/>
+          </a:bodyPr>
+          <a:lstStyle/>
+          <a:p>
+            <a:r>
+              <a:rPr lang="pt-BR" dirty="0" err="1">
+                <a:latin typeface="Inter"/>
+              </a:rPr>
+              <a:t>Source</a:t>
+            </a:r>
+            <a:r>
+              <a:rPr lang="pt-BR" dirty="0">
+                <a:latin typeface="Inter"/>
+              </a:rPr>
+              <a:t> : </a:t>
+            </a:r>
+            <a:r>
+              <a:rPr lang="pt-BR" dirty="0" smtClean="0">
+                <a:latin typeface="Inter"/>
+              </a:rPr>
+              <a:t>DESTA,2018</a:t>
+            </a:r>
+            <a:endParaRPr lang="pt-BR" dirty="0"/>
+          </a:p>
+        </p:txBody>
+      </p:sp>
+    </p:spTree>
+    <p:extLst>
+      <p:ext uri="{BB962C8B-B14F-4D97-AF65-F5344CB8AC3E}">
+        <p14:creationId xmlns:p14="http://schemas.microsoft.com/office/powerpoint/2010/main" val="885929783"/>
+      </p:ext>
+    </p:extLst>
+  </p:cSld>
+  <p:clrMapOvr>
+    <a:masterClrMapping/>
+  </p:clrMapOvr>
+  <p:timing>
+    <p:tnLst>
+      <p:par>
+        <p:cTn id="1" dur="indefinite" restart="never" nodeType="tmRoot"/>
+      </p:par>
+    </p:tnLst>
+  </p:timing>
+</p:sld>
+</file>
+
+<file path=ppt/slides/slide7.xml><?xml version="1.0" encoding="utf-8"?>
+<p:sld xmlns:a="http://schemas.openxmlformats.org/drawingml/2006/main" xmlns:r="http://schemas.openxmlformats.org/officeDocument/2006/relationships" xmlns:p="http://schemas.openxmlformats.org/presentationml/2006/main">
+  <p:cSld>
+    <p:spTree>
+      <p:nvGrpSpPr>
+        <p:cNvPr id="1" name=""/>
+        <p:cNvGrpSpPr/>
+        <p:nvPr/>
+      </p:nvGrpSpPr>
+      <p:grpSpPr>
+        <a:xfrm>
+          <a:off x="0" y="0"/>
+          <a:ext cx="0" cy="0"/>
+          <a:chOff x="0" y="0"/>
+          <a:chExt cx="0" cy="0"/>
+        </a:xfrm>
+      </p:grpSpPr>
+      <p:sp>
+        <p:nvSpPr>
+          <p:cNvPr id="2" name="Título 1"/>
+          <p:cNvSpPr>
+            <a:spLocks noGrp="1"/>
+          </p:cNvSpPr>
+          <p:nvPr>
+            <p:ph type="title"/>
+          </p:nvPr>
+        </p:nvSpPr>
+        <p:spPr/>
+        <p:txBody>
+          <a:bodyPr/>
+          <a:lstStyle/>
+          <a:p>
+            <a:r>
+              <a:rPr lang="pt-BR" dirty="0"/>
+              <a:t>Teste – </a:t>
+            </a:r>
+            <a:r>
+              <a:rPr lang="pt-BR" dirty="0" smtClean="0"/>
+              <a:t>Resumo da estrutura</a:t>
+            </a:r>
+            <a:endParaRPr lang="pt-BR" dirty="0"/>
+          </a:p>
+        </p:txBody>
+      </p:sp>
+      <p:sp>
+        <p:nvSpPr>
+          <p:cNvPr id="3" name="Espaço Reservado para Conteúdo 2"/>
+          <p:cNvSpPr>
+            <a:spLocks noGrp="1"/>
+          </p:cNvSpPr>
+          <p:nvPr>
+            <p:ph idx="1"/>
+          </p:nvPr>
+        </p:nvSpPr>
+        <p:spPr>
+          <a:xfrm>
+            <a:off x="333233" y="1188243"/>
+            <a:ext cx="10515600" cy="4652963"/>
+          </a:xfrm>
+        </p:spPr>
+        <p:txBody>
+          <a:bodyPr>
+            <a:normAutofit lnSpcReduction="10000"/>
+          </a:bodyPr>
+          <a:lstStyle/>
+          <a:p>
+            <a:r>
+              <a:rPr lang="pt-BR" dirty="0" smtClean="0"/>
+              <a:t> Foi criado uma rede neural conforme </a:t>
+            </a:r>
+            <a:r>
+              <a:rPr lang="pt-BR" dirty="0"/>
+              <a:t> </a:t>
+            </a:r>
+            <a:r>
+              <a:rPr lang="pt-BR" dirty="0" smtClean="0"/>
+              <a:t>baseando no artigo de </a:t>
+            </a:r>
+            <a:r>
+              <a:rPr lang="pt-BR" dirty="0" err="1" smtClean="0"/>
+              <a:t>Dataz</a:t>
+            </a:r>
+            <a:r>
+              <a:rPr lang="pt-BR" dirty="0" smtClean="0"/>
+              <a:t>, </a:t>
+            </a:r>
+            <a:r>
+              <a:rPr lang="pt-BR" dirty="0" err="1" smtClean="0"/>
+              <a:t>leary,alterando</a:t>
+            </a:r>
+            <a:r>
+              <a:rPr lang="pt-BR" dirty="0" smtClean="0"/>
+              <a:t> apenas a rede neural de entrada para processamento de imagem para o mobile</a:t>
+            </a:r>
+          </a:p>
+          <a:p>
+            <a:r>
+              <a:rPr lang="pt-BR" dirty="0" smtClean="0"/>
+              <a:t>NetV2 , em síntese temos a arquitetura abaixo :</a:t>
+            </a:r>
+          </a:p>
+          <a:p>
+            <a:r>
+              <a:rPr lang="pt-BR" b="0" dirty="0"/>
+              <a:t>CNN – entrada da imagem, </a:t>
+            </a:r>
+            <a:r>
+              <a:rPr lang="pt-BR" b="0" dirty="0" err="1"/>
+              <a:t>pré</a:t>
+            </a:r>
+            <a:r>
+              <a:rPr lang="pt-BR" b="0" dirty="0"/>
+              <a:t> processamento</a:t>
+            </a:r>
+            <a:r>
+              <a:rPr lang="pt-BR" dirty="0" smtClean="0"/>
+              <a:t>  </a:t>
+            </a:r>
+          </a:p>
+          <a:p>
+            <a:r>
+              <a:rPr lang="pt-BR" b="0" dirty="0" smtClean="0"/>
+              <a:t>MobileNetV2 -&gt; para processamento das imagens </a:t>
+            </a:r>
+          </a:p>
+          <a:p>
+            <a:r>
+              <a:rPr lang="pt-BR" b="0" dirty="0" smtClean="0"/>
+              <a:t>RNN – processamento de texto </a:t>
+            </a:r>
+          </a:p>
+          <a:p>
+            <a:r>
+              <a:rPr lang="pt-BR" b="0" dirty="0" smtClean="0"/>
+              <a:t>LSMT-&gt; faz o processamento de todas redes </a:t>
+            </a:r>
+            <a:endParaRPr lang="pt-BR" b="0" dirty="0"/>
+          </a:p>
+          <a:p>
+            <a:endParaRPr lang="pt-BR" dirty="0"/>
+          </a:p>
+          <a:p>
+            <a:r>
+              <a:rPr lang="pt-BR" dirty="0" smtClean="0"/>
+              <a:t>  </a:t>
+            </a:r>
+            <a:endParaRPr lang="pt-BR" dirty="0"/>
+          </a:p>
+        </p:txBody>
+      </p:sp>
+      <p:sp>
+        <p:nvSpPr>
+          <p:cNvPr id="4" name="Espaço Reservado para Número de Slide 3"/>
+          <p:cNvSpPr>
+            <a:spLocks noGrp="1"/>
+          </p:cNvSpPr>
+          <p:nvPr>
+            <p:ph type="sldNum" sz="quarter" idx="12"/>
+          </p:nvPr>
+        </p:nvSpPr>
+        <p:spPr/>
+        <p:txBody>
+          <a:bodyPr/>
+          <a:lstStyle/>
+          <a:p>
+            <a:fld id="{3EBE14EB-223E-495E-93EA-4AA64DE8DADD}" type="slidenum">
+              <a:rPr lang="pt-BR" smtClean="0"/>
+              <a:t>7</a:t>
+            </a:fld>
+            <a:endParaRPr lang="pt-BR" dirty="0"/>
+          </a:p>
+        </p:txBody>
+      </p:sp>
+    </p:spTree>
+    <p:extLst>
+      <p:ext uri="{BB962C8B-B14F-4D97-AF65-F5344CB8AC3E}">
+        <p14:creationId xmlns:p14="http://schemas.microsoft.com/office/powerpoint/2010/main" val="1514092908"/>
+      </p:ext>
+    </p:extLst>
+  </p:cSld>
+  <p:clrMapOvr>
+    <a:masterClrMapping/>
+  </p:clrMapOvr>
+  <p:timing>
+    <p:tnLst>
+      <p:par>
+        <p:cTn id="1" dur="indefinite" restart="never" nodeType="tmRoot"/>
+      </p:par>
+    </p:tnLst>
+  </p:timing>
+</p:sld>
+</file>
+
+<file path=ppt/slides/slide8.xml><?xml version="1.0" encoding="utf-8"?>
+<p:sld xmlns:a="http://schemas.openxmlformats.org/drawingml/2006/main" xmlns:r="http://schemas.openxmlformats.org/officeDocument/2006/relationships" xmlns:p="http://schemas.openxmlformats.org/presentationml/2006/main">
+  <p:cSld>
+    <p:spTree>
+      <p:nvGrpSpPr>
+        <p:cNvPr id="1" name=""/>
+        <p:cNvGrpSpPr/>
+        <p:nvPr/>
+      </p:nvGrpSpPr>
+      <p:grpSpPr>
+        <a:xfrm>
+          <a:off x="0" y="0"/>
+          <a:ext cx="0" cy="0"/>
+          <a:chOff x="0" y="0"/>
+          <a:chExt cx="0" cy="0"/>
+        </a:xfrm>
+      </p:grpSpPr>
+      <p:sp>
+        <p:nvSpPr>
+          <p:cNvPr id="2" name="Título 1"/>
+          <p:cNvSpPr>
+            <a:spLocks noGrp="1"/>
+          </p:cNvSpPr>
+          <p:nvPr>
+            <p:ph type="title"/>
+          </p:nvPr>
+        </p:nvSpPr>
+        <p:spPr/>
+        <p:txBody>
+          <a:bodyPr/>
+          <a:lstStyle/>
+          <a:p>
+            <a:r>
+              <a:rPr lang="pt-BR" dirty="0" smtClean="0"/>
+              <a:t>Testes Realizados </a:t>
+            </a:r>
+            <a:endParaRPr lang="pt-BR" dirty="0"/>
+          </a:p>
+        </p:txBody>
+      </p:sp>
+      <p:sp>
+        <p:nvSpPr>
+          <p:cNvPr id="3" name="Espaço Reservado para Conteúdo 2"/>
+          <p:cNvSpPr>
+            <a:spLocks noGrp="1"/>
+          </p:cNvSpPr>
+          <p:nvPr>
+            <p:ph idx="1"/>
+          </p:nvPr>
+        </p:nvSpPr>
+        <p:spPr/>
+        <p:txBody>
+          <a:bodyPr>
+            <a:normAutofit fontScale="92500" lnSpcReduction="20000"/>
+          </a:bodyPr>
+          <a:lstStyle/>
+          <a:p>
+            <a:r>
+              <a:rPr lang="pt-BR" b="0" dirty="0" smtClean="0"/>
+              <a:t>-&gt; foram criados 4 </a:t>
+            </a:r>
+            <a:r>
+              <a:rPr lang="pt-BR" b="0" dirty="0" err="1" smtClean="0"/>
+              <a:t>buckets</a:t>
+            </a:r>
+            <a:r>
+              <a:rPr lang="pt-BR" b="0" dirty="0" smtClean="0"/>
+              <a:t>, para separação da base de dados do </a:t>
+            </a:r>
+            <a:r>
+              <a:rPr lang="pt-BR" b="0" dirty="0" err="1" smtClean="0"/>
+              <a:t>cclever</a:t>
+            </a:r>
+            <a:r>
+              <a:rPr lang="pt-BR" b="0" dirty="0" smtClean="0"/>
+              <a:t> conforme descrito abaixo : </a:t>
+            </a:r>
+          </a:p>
+          <a:p>
+            <a:endParaRPr lang="pt-BR" b="0" dirty="0" smtClean="0"/>
+          </a:p>
+          <a:p>
+            <a:r>
+              <a:rPr lang="pt-BR" b="0" dirty="0" smtClean="0"/>
+              <a:t> </a:t>
+            </a:r>
+            <a:r>
+              <a:rPr lang="pt-BR" b="0" dirty="0" err="1" smtClean="0"/>
+              <a:t>bucket</a:t>
+            </a:r>
+            <a:r>
+              <a:rPr lang="pt-BR" b="0" dirty="0" smtClean="0"/>
+              <a:t> 1 – 15%  (massa de testes e aprendizado )</a:t>
+            </a:r>
+          </a:p>
+          <a:p>
+            <a:r>
+              <a:rPr lang="pt-BR" b="0" dirty="0"/>
+              <a:t> </a:t>
+            </a:r>
+            <a:r>
+              <a:rPr lang="pt-BR" b="0" dirty="0" err="1"/>
+              <a:t>bucket</a:t>
+            </a:r>
+            <a:r>
+              <a:rPr lang="pt-BR" b="0" dirty="0"/>
+              <a:t> </a:t>
+            </a:r>
+            <a:r>
+              <a:rPr lang="pt-BR" b="0" dirty="0" smtClean="0"/>
+              <a:t>2 </a:t>
+            </a:r>
+            <a:r>
+              <a:rPr lang="pt-BR" b="0" dirty="0"/>
+              <a:t>– </a:t>
+            </a:r>
+            <a:r>
+              <a:rPr lang="pt-BR" b="0" dirty="0" smtClean="0"/>
+              <a:t>25</a:t>
+            </a:r>
+            <a:r>
+              <a:rPr lang="pt-BR" b="0" dirty="0"/>
+              <a:t>% (massa de testes e aprendizado )</a:t>
+            </a:r>
+          </a:p>
+          <a:p>
+            <a:r>
+              <a:rPr lang="pt-BR" b="0" dirty="0" smtClean="0"/>
+              <a:t> </a:t>
+            </a:r>
+            <a:r>
+              <a:rPr lang="pt-BR" b="0" dirty="0" err="1" smtClean="0"/>
+              <a:t>Bucket</a:t>
+            </a:r>
+            <a:r>
+              <a:rPr lang="pt-BR" b="0" dirty="0" smtClean="0"/>
+              <a:t> 3 – 50% </a:t>
+            </a:r>
+            <a:r>
+              <a:rPr lang="pt-BR" b="0" dirty="0"/>
+              <a:t>(massa de testes e aprendizado )</a:t>
+            </a:r>
+          </a:p>
+          <a:p>
+            <a:r>
+              <a:rPr lang="pt-BR" b="0" dirty="0" smtClean="0"/>
+              <a:t> </a:t>
+            </a:r>
+            <a:r>
+              <a:rPr lang="pt-BR" b="0" dirty="0" err="1" smtClean="0"/>
+              <a:t>Bucket</a:t>
+            </a:r>
+            <a:r>
+              <a:rPr lang="pt-BR" b="0" dirty="0" smtClean="0"/>
+              <a:t> 4 – 75% </a:t>
+            </a:r>
+            <a:r>
+              <a:rPr lang="pt-BR" b="0" dirty="0"/>
+              <a:t>(massa de testes e aprendizado )</a:t>
+            </a:r>
+          </a:p>
+          <a:p>
+            <a:r>
+              <a:rPr lang="pt-BR" b="0" dirty="0" smtClean="0"/>
+              <a:t> </a:t>
+            </a:r>
+            <a:r>
+              <a:rPr lang="pt-BR" b="0" dirty="0" err="1" smtClean="0"/>
+              <a:t>Bucket</a:t>
+            </a:r>
+            <a:r>
+              <a:rPr lang="pt-BR" b="0" dirty="0" smtClean="0"/>
+              <a:t> 6 – 100 % </a:t>
+            </a:r>
+            <a:r>
+              <a:rPr lang="pt-BR" b="0" dirty="0"/>
+              <a:t>(massa de testes e aprendizado )</a:t>
+            </a:r>
+          </a:p>
+          <a:p>
+            <a:endParaRPr lang="pt-BR" b="0" dirty="0" smtClean="0"/>
+          </a:p>
+          <a:p>
+            <a:endParaRPr lang="pt-BR" b="0" dirty="0" smtClean="0"/>
+          </a:p>
+          <a:p>
+            <a:r>
+              <a:rPr lang="pt-BR" dirty="0"/>
+              <a:t> </a:t>
+            </a:r>
+            <a:r>
+              <a:rPr lang="pt-BR" dirty="0" smtClean="0"/>
+              <a:t>   </a:t>
+            </a:r>
+            <a:endParaRPr lang="pt-BR" dirty="0"/>
+          </a:p>
+        </p:txBody>
+      </p:sp>
+      <p:sp>
+        <p:nvSpPr>
+          <p:cNvPr id="4" name="Espaço Reservado para Número de Slide 3"/>
+          <p:cNvSpPr>
+            <a:spLocks noGrp="1"/>
+          </p:cNvSpPr>
+          <p:nvPr>
+            <p:ph type="sldNum" sz="quarter" idx="12"/>
+          </p:nvPr>
+        </p:nvSpPr>
+        <p:spPr/>
+        <p:txBody>
+          <a:bodyPr/>
+          <a:lstStyle/>
+          <a:p>
+            <a:fld id="{3EBE14EB-223E-495E-93EA-4AA64DE8DADD}" type="slidenum">
+              <a:rPr lang="pt-BR" smtClean="0"/>
+              <a:t>8</a:t>
+            </a:fld>
+            <a:endParaRPr lang="pt-BR" dirty="0"/>
+          </a:p>
+        </p:txBody>
+      </p:sp>
+    </p:spTree>
+    <p:extLst>
+      <p:ext uri="{BB962C8B-B14F-4D97-AF65-F5344CB8AC3E}">
+        <p14:creationId xmlns:p14="http://schemas.microsoft.com/office/powerpoint/2010/main" val="4184815450"/>
+      </p:ext>
+    </p:extLst>
+  </p:cSld>
+  <p:clrMapOvr>
+    <a:masterClrMapping/>
+  </p:clrMapOvr>
+  <p:timing>
+    <p:tnLst>
+      <p:par>
+        <p:cTn id="1" dur="indefinite" restart="never" nodeType="tmRoot"/>
+      </p:par>
+    </p:tnLst>
+  </p:timing>
+</p:sld>
+</file>
+
+<file path=ppt/slides/slide9.xml><?xml version="1.0" encoding="utf-8"?>
+<p:sld xmlns:a="http://schemas.openxmlformats.org/drawingml/2006/main" xmlns:r="http://schemas.openxmlformats.org/officeDocument/2006/relationships" xmlns:p="http://schemas.openxmlformats.org/presentationml/2006/main">
+  <p:cSld>
+    <p:spTree>
+      <p:nvGrpSpPr>
+        <p:cNvPr id="1" name=""/>
+        <p:cNvGrpSpPr/>
+        <p:nvPr/>
+      </p:nvGrpSpPr>
+      <p:grpSpPr>
+        <a:xfrm>
+          <a:off x="0" y="0"/>
+          <a:ext cx="0" cy="0"/>
+          <a:chOff x="0" y="0"/>
+          <a:chExt cx="0" cy="0"/>
+        </a:xfrm>
+      </p:grpSpPr>
+      <p:sp>
+        <p:nvSpPr>
+          <p:cNvPr id="2" name="Título 1"/>
+          <p:cNvSpPr>
+            <a:spLocks noGrp="1"/>
+          </p:cNvSpPr>
+          <p:nvPr>
+            <p:ph type="title"/>
+          </p:nvPr>
+        </p:nvSpPr>
+        <p:spPr/>
+        <p:txBody>
+          <a:bodyPr/>
+          <a:lstStyle/>
+          <a:p>
+            <a:r>
+              <a:rPr lang="pt-BR" dirty="0" smtClean="0"/>
+              <a:t>Resultados </a:t>
+            </a:r>
+            <a:endParaRPr lang="pt-BR" dirty="0"/>
+          </a:p>
+        </p:txBody>
+      </p:sp>
+      <p:sp>
+        <p:nvSpPr>
+          <p:cNvPr id="3" name="Espaço Reservado para Conteúdo 2"/>
+          <p:cNvSpPr>
+            <a:spLocks noGrp="1"/>
+          </p:cNvSpPr>
+          <p:nvPr>
+            <p:ph idx="1"/>
+          </p:nvPr>
+        </p:nvSpPr>
+        <p:spPr>
+          <a:xfrm>
+            <a:off x="440266" y="950794"/>
+            <a:ext cx="10515600" cy="4652963"/>
+          </a:xfrm>
+        </p:spPr>
+        <p:txBody>
+          <a:bodyPr>
+            <a:normAutofit/>
+          </a:bodyPr>
+          <a:lstStyle/>
+          <a:p>
+            <a:r>
+              <a:rPr lang="pt-BR" dirty="0" smtClean="0"/>
+              <a:t>Ao se executar com duas épocas , tivemos os gráficos abaixo</a:t>
+            </a:r>
+          </a:p>
+          <a:p>
+            <a:endParaRPr lang="pt-BR" dirty="0"/>
+          </a:p>
+          <a:p>
+            <a:endParaRPr lang="pt-BR" dirty="0" smtClean="0"/>
+          </a:p>
+          <a:p>
+            <a:endParaRPr lang="pt-BR" dirty="0"/>
+          </a:p>
+          <a:p>
+            <a:endParaRPr lang="pt-BR" dirty="0" smtClean="0"/>
+          </a:p>
+          <a:p>
+            <a:r>
+              <a:rPr lang="pt-BR" dirty="0" smtClean="0"/>
+              <a:t>                        15%                                                         25%</a:t>
+            </a:r>
+            <a:endParaRPr lang="pt-BR" dirty="0"/>
+          </a:p>
+        </p:txBody>
+      </p:sp>
+      <p:sp>
+        <p:nvSpPr>
+          <p:cNvPr id="4" name="Espaço Reservado para Número de Slide 3"/>
+          <p:cNvSpPr>
+            <a:spLocks noGrp="1"/>
+          </p:cNvSpPr>
+          <p:nvPr>
+            <p:ph type="sldNum" sz="quarter" idx="12"/>
+          </p:nvPr>
+        </p:nvSpPr>
+        <p:spPr/>
+        <p:txBody>
+          <a:bodyPr/>
+          <a:lstStyle/>
+          <a:p>
+            <a:fld id="{3EBE14EB-223E-495E-93EA-4AA64DE8DADD}" type="slidenum">
+              <a:rPr lang="pt-BR" smtClean="0"/>
+              <a:t>9</a:t>
+            </a:fld>
+            <a:endParaRPr lang="pt-BR" dirty="0"/>
+          </a:p>
+        </p:txBody>
+      </p:sp>
+      <p:pic>
+        <p:nvPicPr>
+          <p:cNvPr id="5" name="Imagem 4"/>
+          <p:cNvPicPr>
+            <a:picLocks noChangeAspect="1"/>
+          </p:cNvPicPr>
+          <p:nvPr/>
+        </p:nvPicPr>
+        <p:blipFill>
+          <a:blip r:embed="rId2">
+            <a:extLst>
+              <a:ext uri="{28A0092B-C50C-407E-A947-70E740481C1C}">
+                <a14:useLocalDpi xmlns:a14="http://schemas.microsoft.com/office/drawing/2010/main" val="0"/>
+              </a:ext>
+            </a:extLst>
+          </a:blip>
+          <a:stretch>
+            <a:fillRect/>
+          </a:stretch>
+        </p:blipFill>
+        <p:spPr>
+          <a:xfrm>
+            <a:off x="1196796" y="1283970"/>
+            <a:ext cx="3346131" cy="2230754"/>
+          </a:xfrm>
+          <a:prstGeom prst="rect">
+            <a:avLst/>
+          </a:prstGeom>
+        </p:spPr>
+      </p:pic>
+      <p:pic>
+        <p:nvPicPr>
+          <p:cNvPr id="6" name="Imagem 5"/>
+          <p:cNvPicPr>
+            <a:picLocks noChangeAspect="1"/>
+          </p:cNvPicPr>
+          <p:nvPr/>
+        </p:nvPicPr>
+        <p:blipFill>
+          <a:blip r:embed="rId3">
+            <a:extLst>
+              <a:ext uri="{28A0092B-C50C-407E-A947-70E740481C1C}">
+                <a14:useLocalDpi xmlns:a14="http://schemas.microsoft.com/office/drawing/2010/main" val="0"/>
+              </a:ext>
+            </a:extLst>
+          </a:blip>
+          <a:stretch>
+            <a:fillRect/>
+          </a:stretch>
+        </p:blipFill>
+        <p:spPr>
+          <a:xfrm>
+            <a:off x="6021740" y="1129392"/>
+            <a:ext cx="3664101" cy="2442734"/>
+          </a:xfrm>
+          <a:prstGeom prst="rect">
+            <a:avLst/>
+          </a:prstGeom>
+        </p:spPr>
+      </p:pic>
+      <p:pic>
+        <p:nvPicPr>
+          <p:cNvPr id="7" name="Espaço Reservado para Conteúdo 4"/>
+          <p:cNvPicPr>
+            <a:picLocks noChangeAspect="1"/>
+          </p:cNvPicPr>
+          <p:nvPr/>
+        </p:nvPicPr>
+        <p:blipFill>
+          <a:blip r:embed="rId4">
+            <a:extLst>
+              <a:ext uri="{28A0092B-C50C-407E-A947-70E740481C1C}">
+                <a14:useLocalDpi xmlns:a14="http://schemas.microsoft.com/office/drawing/2010/main" val="0"/>
+              </a:ext>
+            </a:extLst>
+          </a:blip>
+          <a:stretch>
+            <a:fillRect/>
+          </a:stretch>
+        </p:blipFill>
+        <p:spPr>
+          <a:xfrm>
+            <a:off x="1214275" y="3701092"/>
+            <a:ext cx="3418441" cy="2278961"/>
+          </a:xfrm>
+          <a:prstGeom prst="rect">
+            <a:avLst/>
+          </a:prstGeom>
+        </p:spPr>
+      </p:pic>
+      <p:pic>
+        <p:nvPicPr>
+          <p:cNvPr id="8" name="Imagem 7"/>
+          <p:cNvPicPr>
+            <a:picLocks noChangeAspect="1"/>
+          </p:cNvPicPr>
+          <p:nvPr/>
+        </p:nvPicPr>
+        <p:blipFill>
+          <a:blip r:embed="rId5">
+            <a:extLst>
+              <a:ext uri="{28A0092B-C50C-407E-A947-70E740481C1C}">
+                <a14:useLocalDpi xmlns:a14="http://schemas.microsoft.com/office/drawing/2010/main" val="0"/>
+              </a:ext>
+            </a:extLst>
+          </a:blip>
+          <a:stretch>
+            <a:fillRect/>
+          </a:stretch>
+        </p:blipFill>
+        <p:spPr>
+          <a:xfrm>
+            <a:off x="6365427" y="3745251"/>
+            <a:ext cx="3418441" cy="2278961"/>
+          </a:xfrm>
+          <a:prstGeom prst="rect">
+            <a:avLst/>
+          </a:prstGeom>
+        </p:spPr>
+      </p:pic>
+      <p:sp>
+        <p:nvSpPr>
+          <p:cNvPr id="9" name="Retângulo 8"/>
+          <p:cNvSpPr/>
+          <p:nvPr/>
+        </p:nvSpPr>
+        <p:spPr>
+          <a:xfrm>
+            <a:off x="2294476" y="6094275"/>
+            <a:ext cx="811441" cy="523220"/>
+          </a:xfrm>
+          <a:prstGeom prst="rect">
+            <a:avLst/>
+          </a:prstGeom>
+        </p:spPr>
+        <p:txBody>
+          <a:bodyPr wrap="none">
+            <a:spAutoFit/>
+          </a:bodyPr>
+          <a:lstStyle/>
+          <a:p>
+            <a:r>
+              <a:rPr lang="pt-BR" sz="2800" b="1" dirty="0" smtClean="0"/>
+              <a:t>50%</a:t>
+            </a:r>
+            <a:endParaRPr lang="pt-BR" sz="2800" b="1" dirty="0"/>
+          </a:p>
+        </p:txBody>
+      </p:sp>
+      <p:sp>
+        <p:nvSpPr>
+          <p:cNvPr id="10" name="Retângulo 9"/>
+          <p:cNvSpPr/>
+          <p:nvPr/>
+        </p:nvSpPr>
+        <p:spPr>
+          <a:xfrm>
+            <a:off x="7668926" y="6081327"/>
+            <a:ext cx="811441" cy="523220"/>
+          </a:xfrm>
+          <a:prstGeom prst="rect">
+            <a:avLst/>
+          </a:prstGeom>
+        </p:spPr>
+        <p:txBody>
+          <a:bodyPr wrap="none">
+            <a:spAutoFit/>
+          </a:bodyPr>
+          <a:lstStyle/>
+          <a:p>
+            <a:r>
+              <a:rPr lang="pt-BR" sz="2800" b="1" dirty="0" smtClean="0"/>
+              <a:t>75%</a:t>
+            </a:r>
+            <a:endParaRPr lang="pt-BR" sz="2800" b="1" dirty="0"/>
+          </a:p>
+        </p:txBody>
+      </p:sp>
+    </p:spTree>
+    <p:extLst>
+      <p:ext uri="{BB962C8B-B14F-4D97-AF65-F5344CB8AC3E}">
+        <p14:creationId xmlns:p14="http://schemas.microsoft.com/office/powerpoint/2010/main" val="1455488507"/>
       </p:ext>
     </p:extLst>
   </p:cSld>
